--- a/presentation/Présentation de la solution technique.pptx
+++ b/presentation/Présentation de la solution technique.pptx
@@ -6,20 +6,20 @@
   </p:sldMasterIdLst>
   <p:sldIdLst>
     <p:sldId id="256" r:id="rId2"/>
-    <p:sldId id="257" r:id="rId3"/>
+    <p:sldId id="273" r:id="rId3"/>
     <p:sldId id="264" r:id="rId4"/>
     <p:sldId id="263" r:id="rId5"/>
-    <p:sldId id="258" r:id="rId6"/>
+    <p:sldId id="272" r:id="rId6"/>
     <p:sldId id="262" r:id="rId7"/>
-    <p:sldId id="261" r:id="rId8"/>
-    <p:sldId id="260" r:id="rId9"/>
-    <p:sldId id="259" r:id="rId10"/>
-    <p:sldId id="265" r:id="rId11"/>
+    <p:sldId id="258" r:id="rId8"/>
+    <p:sldId id="261" r:id="rId9"/>
+    <p:sldId id="260" r:id="rId10"/>
+    <p:sldId id="259" r:id="rId11"/>
     <p:sldId id="266" r:id="rId12"/>
     <p:sldId id="269" r:id="rId13"/>
     <p:sldId id="268" r:id="rId14"/>
-    <p:sldId id="270" r:id="rId15"/>
-    <p:sldId id="271" r:id="rId16"/>
+    <p:sldId id="271" r:id="rId15"/>
+    <p:sldId id="274" r:id="rId16"/>
   </p:sldIdLst>
   <p:sldSz cx="12192000" cy="6858000"/>
   <p:notesSz cx="6858000" cy="9144000"/>
@@ -118,6 +118,11 @@
       </a:defRPr>
     </a:lvl9pPr>
   </p:defaultTextStyle>
+  <p:extLst>
+    <p:ext uri="{EFAFB233-063F-42B5-8137-9DF3F51BA10A}">
+      <p15:sldGuideLst xmlns:p15="http://schemas.microsoft.com/office/powerpoint/2012/main"/>
+    </p:ext>
+  </p:extLst>
 </p:presentation>
 </file>
 
@@ -131,20 +136,6 @@
     </p:extLst>
   </p:cmAuthor>
 </p:cmAuthorLst>
-</file>
-
-<file path=ppt/comments/comment1.xml><?xml version="1.0" encoding="utf-8"?>
-<p:cmLst xmlns:a="http://schemas.openxmlformats.org/drawingml/2006/main" xmlns:r="http://schemas.openxmlformats.org/officeDocument/2006/relationships" xmlns:p="http://schemas.openxmlformats.org/presentationml/2006/main">
-  <p:cm authorId="1" dt="2023-11-11T15:57:03.727" idx="1">
-    <p:pos x="10" y="10"/>
-    <p:text/>
-    <p:extLst>
-      <p:ext uri="{C676402C-5697-4E1C-873F-D02D1690AC5C}">
-        <p15:threadingInfo xmlns:p15="http://schemas.microsoft.com/office/powerpoint/2012/main" timeZoneBias="-60"/>
-      </p:ext>
-    </p:extLst>
-  </p:cm>
-</p:cmLst>
 </file>
 
 <file path=ppt/slideLayouts/slideLayout1.xml><?xml version="1.0" encoding="utf-8"?>
@@ -339,7 +330,7 @@
             <a:fld id="{B61BEF0D-F0BB-DE4B-95CE-6DB70DBA9567}" type="datetimeFigureOut">
               <a:rPr lang="en-US" dirty="0"/>
               <a:pPr/>
-              <a:t>11/11/2023</a:t>
+              <a:t>12/13/2023</a:t>
             </a:fld>
             <a:endParaRPr lang="en-US" dirty="0"/>
           </a:p>
@@ -772,7 +763,7 @@
             <a:fld id="{B61BEF0D-F0BB-DE4B-95CE-6DB70DBA9567}" type="datetimeFigureOut">
               <a:rPr lang="en-US" dirty="0"/>
               <a:pPr/>
-              <a:t>11/11/2023</a:t>
+              <a:t>12/13/2023</a:t>
             </a:fld>
             <a:endParaRPr lang="en-US" dirty="0"/>
           </a:p>
@@ -1019,7 +1010,7 @@
             <a:fld id="{B61BEF0D-F0BB-DE4B-95CE-6DB70DBA9567}" type="datetimeFigureOut">
               <a:rPr lang="en-US" dirty="0"/>
               <a:pPr/>
-              <a:t>11/11/2023</a:t>
+              <a:t>12/13/2023</a:t>
             </a:fld>
             <a:endParaRPr lang="en-US" dirty="0"/>
           </a:p>
@@ -1324,7 +1315,7 @@
             <a:fld id="{B61BEF0D-F0BB-DE4B-95CE-6DB70DBA9567}" type="datetimeFigureOut">
               <a:rPr lang="en-US" dirty="0"/>
               <a:pPr/>
-              <a:t>11/11/2023</a:t>
+              <a:t>12/13/2023</a:t>
             </a:fld>
             <a:endParaRPr lang="en-US" dirty="0"/>
           </a:p>
@@ -1639,7 +1630,7 @@
             <a:fld id="{B61BEF0D-F0BB-DE4B-95CE-6DB70DBA9567}" type="datetimeFigureOut">
               <a:rPr lang="en-US" dirty="0"/>
               <a:pPr/>
-              <a:t>11/11/2023</a:t>
+              <a:t>12/13/2023</a:t>
             </a:fld>
             <a:endParaRPr lang="en-US" dirty="0"/>
           </a:p>
@@ -1938,7 +1929,7 @@
             <a:fld id="{B61BEF0D-F0BB-DE4B-95CE-6DB70DBA9567}" type="datetimeFigureOut">
               <a:rPr lang="en-US" dirty="0"/>
               <a:pPr/>
-              <a:t>11/11/2023</a:t>
+              <a:t>12/13/2023</a:t>
             </a:fld>
             <a:endParaRPr lang="en-US" dirty="0"/>
           </a:p>
@@ -2302,7 +2293,7 @@
             <a:fld id="{B61BEF0D-F0BB-DE4B-95CE-6DB70DBA9567}" type="datetimeFigureOut">
               <a:rPr lang="en-US" dirty="0"/>
               <a:pPr/>
-              <a:t>11/11/2023</a:t>
+              <a:t>12/13/2023</a:t>
             </a:fld>
             <a:endParaRPr lang="en-US" dirty="0"/>
           </a:p>
@@ -2473,7 +2464,7 @@
             <a:fld id="{B61BEF0D-F0BB-DE4B-95CE-6DB70DBA9567}" type="datetimeFigureOut">
               <a:rPr lang="en-US" dirty="0"/>
               <a:pPr/>
-              <a:t>11/11/2023</a:t>
+              <a:t>12/13/2023</a:t>
             </a:fld>
             <a:endParaRPr lang="en-US" dirty="0"/>
           </a:p>
@@ -2650,7 +2641,7 @@
             <a:fld id="{B61BEF0D-F0BB-DE4B-95CE-6DB70DBA9567}" type="datetimeFigureOut">
               <a:rPr lang="en-US" dirty="0"/>
               <a:pPr/>
-              <a:t>11/11/2023</a:t>
+              <a:t>12/13/2023</a:t>
             </a:fld>
             <a:endParaRPr lang="en-US" dirty="0"/>
           </a:p>
@@ -2817,7 +2808,7 @@
             <a:fld id="{B61BEF0D-F0BB-DE4B-95CE-6DB70DBA9567}" type="datetimeFigureOut">
               <a:rPr lang="en-US" dirty="0"/>
               <a:pPr/>
-              <a:t>11/11/2023</a:t>
+              <a:t>12/13/2023</a:t>
             </a:fld>
             <a:endParaRPr lang="en-US" dirty="0"/>
           </a:p>
@@ -3064,7 +3055,7 @@
             <a:fld id="{B61BEF0D-F0BB-DE4B-95CE-6DB70DBA9567}" type="datetimeFigureOut">
               <a:rPr lang="en-US" dirty="0"/>
               <a:pPr/>
-              <a:t>11/11/2023</a:t>
+              <a:t>12/13/2023</a:t>
             </a:fld>
             <a:endParaRPr lang="en-US" dirty="0"/>
           </a:p>
@@ -3297,7 +3288,7 @@
             <a:fld id="{B61BEF0D-F0BB-DE4B-95CE-6DB70DBA9567}" type="datetimeFigureOut">
               <a:rPr lang="en-US" dirty="0"/>
               <a:pPr/>
-              <a:t>11/11/2023</a:t>
+              <a:t>12/13/2023</a:t>
             </a:fld>
             <a:endParaRPr lang="en-US" dirty="0"/>
           </a:p>
@@ -3676,7 +3667,7 @@
             <a:fld id="{B61BEF0D-F0BB-DE4B-95CE-6DB70DBA9567}" type="datetimeFigureOut">
               <a:rPr lang="en-US" dirty="0"/>
               <a:pPr/>
-              <a:t>11/11/2023</a:t>
+              <a:t>12/13/2023</a:t>
             </a:fld>
             <a:endParaRPr lang="en-US" dirty="0"/>
           </a:p>
@@ -3791,7 +3782,7 @@
             <a:fld id="{B61BEF0D-F0BB-DE4B-95CE-6DB70DBA9567}" type="datetimeFigureOut">
               <a:rPr lang="en-US" dirty="0"/>
               <a:pPr/>
-              <a:t>11/11/2023</a:t>
+              <a:t>12/13/2023</a:t>
             </a:fld>
             <a:endParaRPr lang="en-US" dirty="0"/>
           </a:p>
@@ -3883,7 +3874,7 @@
             <a:fld id="{B61BEF0D-F0BB-DE4B-95CE-6DB70DBA9567}" type="datetimeFigureOut">
               <a:rPr lang="en-US" dirty="0"/>
               <a:pPr/>
-              <a:t>11/11/2023</a:t>
+              <a:t>12/13/2023</a:t>
             </a:fld>
             <a:endParaRPr lang="en-US" dirty="0"/>
           </a:p>
@@ -4135,7 +4126,7 @@
             <a:fld id="{B61BEF0D-F0BB-DE4B-95CE-6DB70DBA9567}" type="datetimeFigureOut">
               <a:rPr lang="en-US" dirty="0"/>
               <a:pPr/>
-              <a:t>11/11/2023</a:t>
+              <a:t>12/13/2023</a:t>
             </a:fld>
             <a:endParaRPr lang="en-US" dirty="0"/>
           </a:p>
@@ -4415,7 +4406,7 @@
             <a:fld id="{B61BEF0D-F0BB-DE4B-95CE-6DB70DBA9567}" type="datetimeFigureOut">
               <a:rPr lang="en-US" dirty="0"/>
               <a:pPr/>
-              <a:t>11/11/2023</a:t>
+              <a:t>12/13/2023</a:t>
             </a:fld>
             <a:endParaRPr lang="en-US" dirty="0"/>
           </a:p>
@@ -4818,7 +4809,7 @@
             <a:fld id="{B61BEF0D-F0BB-DE4B-95CE-6DB70DBA9567}" type="datetimeFigureOut">
               <a:rPr lang="en-US" dirty="0"/>
               <a:pPr/>
-              <a:t>11/11/2023</a:t>
+              <a:t>12/13/2023</a:t>
             </a:fld>
             <a:endParaRPr lang="en-US" dirty="0"/>
           </a:p>
@@ -5435,7 +5426,7 @@
         </p:nvSpPr>
         <p:spPr>
           <a:xfrm>
-            <a:off x="684211" y="2948718"/>
+            <a:off x="404811" y="1142150"/>
             <a:ext cx="6400800" cy="1947333"/>
           </a:xfrm>
         </p:spPr>
@@ -5487,7 +5478,7 @@
         </p:blipFill>
         <p:spPr>
           <a:xfrm>
-            <a:off x="4712610" y="2780451"/>
+            <a:off x="6427110" y="1142151"/>
             <a:ext cx="1794066" cy="1947333"/>
           </a:xfrm>
           <a:prstGeom prst="rect">
@@ -5495,6 +5486,661 @@
           </a:prstGeom>
         </p:spPr>
       </p:pic>
+      <p:sp>
+        <p:nvSpPr>
+          <p:cNvPr id="2" name="ZoneTexte 1">
+            <a:extLst>
+              <a:ext uri="{FF2B5EF4-FFF2-40B4-BE49-F238E27FC236}">
+                <a16:creationId xmlns:a16="http://schemas.microsoft.com/office/drawing/2014/main" id="{6FDC16E1-C3E6-E837-580C-398F7C169C5A}"/>
+              </a:ext>
+            </a:extLst>
+          </p:cNvPr>
+          <p:cNvSpPr txBox="1"/>
+          <p:nvPr/>
+        </p:nvSpPr>
+        <p:spPr>
+          <a:xfrm>
+            <a:off x="1303272" y="3365500"/>
+            <a:ext cx="2656573" cy="307777"/>
+          </a:xfrm>
+          <a:prstGeom prst="rect">
+            <a:avLst/>
+          </a:prstGeom>
+          <a:noFill/>
+        </p:spPr>
+        <p:txBody>
+          <a:bodyPr wrap="square" rtlCol="0">
+            <a:spAutoFit/>
+          </a:bodyPr>
+          <a:lstStyle/>
+          <a:p>
+            <a:r>
+              <a:rPr lang="fr-FR" sz="1400" dirty="0">
+                <a:solidFill>
+                  <a:schemeClr val="bg1"/>
+                </a:solidFill>
+              </a:rPr>
+              <a:t>Résumé du projet</a:t>
+            </a:r>
+          </a:p>
+        </p:txBody>
+      </p:sp>
+      <p:sp>
+        <p:nvSpPr>
+          <p:cNvPr id="3" name="ZoneTexte 2">
+            <a:extLst>
+              <a:ext uri="{FF2B5EF4-FFF2-40B4-BE49-F238E27FC236}">
+                <a16:creationId xmlns:a16="http://schemas.microsoft.com/office/drawing/2014/main" id="{FA81535B-558C-6E3F-A8E8-780CE0C786B0}"/>
+              </a:ext>
+            </a:extLst>
+          </p:cNvPr>
+          <p:cNvSpPr txBox="1"/>
+          <p:nvPr/>
+        </p:nvSpPr>
+        <p:spPr>
+          <a:xfrm>
+            <a:off x="4339538" y="3365500"/>
+            <a:ext cx="2881371" cy="307777"/>
+          </a:xfrm>
+          <a:prstGeom prst="rect">
+            <a:avLst/>
+          </a:prstGeom>
+          <a:noFill/>
+        </p:spPr>
+        <p:txBody>
+          <a:bodyPr wrap="square" rtlCol="0">
+            <a:spAutoFit/>
+          </a:bodyPr>
+          <a:lstStyle/>
+          <a:p>
+            <a:r>
+              <a:rPr lang="fr-FR" sz="1400" dirty="0">
+                <a:solidFill>
+                  <a:schemeClr val="bg1"/>
+                </a:solidFill>
+              </a:rPr>
+              <a:t>Présentation technique</a:t>
+            </a:r>
+          </a:p>
+        </p:txBody>
+      </p:sp>
+      <p:sp>
+        <p:nvSpPr>
+          <p:cNvPr id="7" name="ZoneTexte 6">
+            <a:extLst>
+              <a:ext uri="{FF2B5EF4-FFF2-40B4-BE49-F238E27FC236}">
+                <a16:creationId xmlns:a16="http://schemas.microsoft.com/office/drawing/2014/main" id="{830635E8-6FEA-68E9-A31A-024B7B4DA76F}"/>
+              </a:ext>
+            </a:extLst>
+          </p:cNvPr>
+          <p:cNvSpPr txBox="1"/>
+          <p:nvPr/>
+        </p:nvSpPr>
+        <p:spPr>
+          <a:xfrm>
+            <a:off x="4261437" y="4051702"/>
+            <a:ext cx="2656573" cy="2031325"/>
+          </a:xfrm>
+          <a:prstGeom prst="rect">
+            <a:avLst/>
+          </a:prstGeom>
+          <a:noFill/>
+        </p:spPr>
+        <p:txBody>
+          <a:bodyPr wrap="square" rtlCol="0">
+            <a:spAutoFit/>
+          </a:bodyPr>
+          <a:lstStyle/>
+          <a:p>
+            <a:pPr marL="285750" indent="-285750">
+              <a:buFont typeface="Arial" panose="020B0604020202020204" pitchFamily="34" charset="0"/>
+              <a:buChar char="•"/>
+            </a:pPr>
+            <a:r>
+              <a:rPr lang="fr-FR" sz="1400" dirty="0">
+                <a:solidFill>
+                  <a:schemeClr val="bg1"/>
+                </a:solidFill>
+                <a:hlinkClick r:id="rId3" action="ppaction://hlinksldjump"/>
+              </a:rPr>
+              <a:t>Le serveur Backend</a:t>
+            </a:r>
+            <a:endParaRPr lang="fr-FR" sz="1400" dirty="0">
+              <a:solidFill>
+                <a:schemeClr val="bg1"/>
+              </a:solidFill>
+              <a:hlinkClick r:id="rId4" action="ppaction://hlinksldjump">
+                <a:extLst>
+                  <a:ext uri="{A12FA001-AC4F-418D-AE19-62706E023703}">
+                    <ahyp:hlinkClr xmlns:ahyp="http://schemas.microsoft.com/office/drawing/2018/hyperlinkcolor" val="tx"/>
+                  </a:ext>
+                </a:extLst>
+              </a:hlinkClick>
+            </a:endParaRPr>
+          </a:p>
+          <a:p>
+            <a:pPr marL="285750" indent="-285750">
+              <a:buFont typeface="Arial" panose="020B0604020202020204" pitchFamily="34" charset="0"/>
+              <a:buChar char="•"/>
+            </a:pPr>
+            <a:r>
+              <a:rPr lang="fr-FR" sz="1400" dirty="0">
+                <a:solidFill>
+                  <a:schemeClr val="bg1"/>
+                </a:solidFill>
+                <a:hlinkClick r:id="rId4" action="ppaction://hlinksldjump">
+                  <a:extLst>
+                    <a:ext uri="{A12FA001-AC4F-418D-AE19-62706E023703}">
+                      <ahyp:hlinkClr xmlns:ahyp="http://schemas.microsoft.com/office/drawing/2018/hyperlinkcolor" val="tx"/>
+                    </a:ext>
+                  </a:extLst>
+                </a:hlinkClick>
+              </a:rPr>
+              <a:t>La page d’accueil</a:t>
+            </a:r>
+            <a:endParaRPr lang="fr-FR" sz="1400" dirty="0">
+              <a:solidFill>
+                <a:schemeClr val="bg1"/>
+              </a:solidFill>
+            </a:endParaRPr>
+          </a:p>
+          <a:p>
+            <a:pPr marL="285750" indent="-285750">
+              <a:buFont typeface="Arial" panose="020B0604020202020204" pitchFamily="34" charset="0"/>
+              <a:buChar char="•"/>
+            </a:pPr>
+            <a:r>
+              <a:rPr lang="fr-FR" sz="1400" dirty="0">
+                <a:solidFill>
+                  <a:schemeClr val="bg1"/>
+                </a:solidFill>
+                <a:hlinkClick r:id="rId5" action="ppaction://hlinksldjump">
+                  <a:extLst>
+                    <a:ext uri="{A12FA001-AC4F-418D-AE19-62706E023703}">
+                      <ahyp:hlinkClr xmlns:ahyp="http://schemas.microsoft.com/office/drawing/2018/hyperlinkcolor" val="tx"/>
+                    </a:ext>
+                  </a:extLst>
+                </a:hlinkClick>
+              </a:rPr>
+              <a:t>La modale login</a:t>
+            </a:r>
+            <a:endParaRPr lang="fr-FR" sz="1400" dirty="0">
+              <a:solidFill>
+                <a:schemeClr val="bg1"/>
+              </a:solidFill>
+            </a:endParaRPr>
+          </a:p>
+          <a:p>
+            <a:pPr marL="285750" indent="-285750">
+              <a:buFont typeface="Arial" panose="020B0604020202020204" pitchFamily="34" charset="0"/>
+              <a:buChar char="•"/>
+            </a:pPr>
+            <a:r>
+              <a:rPr lang="fr-FR" sz="1400" dirty="0">
+                <a:solidFill>
+                  <a:schemeClr val="bg1"/>
+                </a:solidFill>
+                <a:hlinkClick r:id="rId6" action="ppaction://hlinksldjump">
+                  <a:extLst>
+                    <a:ext uri="{A12FA001-AC4F-418D-AE19-62706E023703}">
+                      <ahyp:hlinkClr xmlns:ahyp="http://schemas.microsoft.com/office/drawing/2018/hyperlinkcolor" val="tx"/>
+                    </a:ext>
+                  </a:extLst>
+                </a:hlinkClick>
+              </a:rPr>
+              <a:t>La création du menu</a:t>
+            </a:r>
+            <a:endParaRPr lang="fr-FR" sz="1400" dirty="0">
+              <a:solidFill>
+                <a:schemeClr val="bg1"/>
+              </a:solidFill>
+            </a:endParaRPr>
+          </a:p>
+          <a:p>
+            <a:pPr marL="285750" indent="-285750">
+              <a:buFont typeface="Arial" panose="020B0604020202020204" pitchFamily="34" charset="0"/>
+              <a:buChar char="•"/>
+            </a:pPr>
+            <a:r>
+              <a:rPr lang="fr-FR" sz="1400" dirty="0">
+                <a:solidFill>
+                  <a:schemeClr val="bg1"/>
+                </a:solidFill>
+                <a:hlinkClick r:id="rId7" action="ppaction://hlinksldjump">
+                  <a:extLst>
+                    <a:ext uri="{A12FA001-AC4F-418D-AE19-62706E023703}">
+                      <ahyp:hlinkClr xmlns:ahyp="http://schemas.microsoft.com/office/drawing/2018/hyperlinkcolor" val="tx"/>
+                    </a:ext>
+                  </a:extLst>
+                </a:hlinkClick>
+              </a:rPr>
+              <a:t>Poster sur Instagram et Deliveroo</a:t>
+            </a:r>
+            <a:endParaRPr lang="fr-FR" sz="1400" dirty="0">
+              <a:solidFill>
+                <a:schemeClr val="bg1"/>
+              </a:solidFill>
+            </a:endParaRPr>
+          </a:p>
+          <a:p>
+            <a:pPr marL="285750" indent="-285750">
+              <a:buFont typeface="Arial" panose="020B0604020202020204" pitchFamily="34" charset="0"/>
+              <a:buChar char="•"/>
+            </a:pPr>
+            <a:endParaRPr lang="fr-FR" sz="1400" dirty="0">
+              <a:solidFill>
+                <a:schemeClr val="bg1"/>
+              </a:solidFill>
+            </a:endParaRPr>
+          </a:p>
+          <a:p>
+            <a:pPr marL="285750" indent="-285750">
+              <a:buFont typeface="Arial" panose="020B0604020202020204" pitchFamily="34" charset="0"/>
+              <a:buChar char="•"/>
+            </a:pPr>
+            <a:endParaRPr lang="fr-FR" sz="1400" dirty="0">
+              <a:solidFill>
+                <a:schemeClr val="bg1"/>
+              </a:solidFill>
+            </a:endParaRPr>
+          </a:p>
+          <a:p>
+            <a:pPr marL="285750" indent="-285750">
+              <a:buFont typeface="Arial" panose="020B0604020202020204" pitchFamily="34" charset="0"/>
+              <a:buChar char="•"/>
+            </a:pPr>
+            <a:endParaRPr lang="fr-FR" sz="1400" dirty="0">
+              <a:solidFill>
+                <a:schemeClr val="bg1"/>
+              </a:solidFill>
+            </a:endParaRPr>
+          </a:p>
+        </p:txBody>
+      </p:sp>
+      <p:sp>
+        <p:nvSpPr>
+          <p:cNvPr id="8" name="ZoneTexte 7">
+            <a:extLst>
+              <a:ext uri="{FF2B5EF4-FFF2-40B4-BE49-F238E27FC236}">
+                <a16:creationId xmlns:a16="http://schemas.microsoft.com/office/drawing/2014/main" id="{276CB725-3425-FCC5-CBBE-15DB20E8E841}"/>
+              </a:ext>
+            </a:extLst>
+          </p:cNvPr>
+          <p:cNvSpPr txBox="1"/>
+          <p:nvPr/>
+        </p:nvSpPr>
+        <p:spPr>
+          <a:xfrm>
+            <a:off x="1130017" y="4051702"/>
+            <a:ext cx="2656573" cy="954107"/>
+          </a:xfrm>
+          <a:prstGeom prst="rect">
+            <a:avLst/>
+          </a:prstGeom>
+          <a:noFill/>
+        </p:spPr>
+        <p:txBody>
+          <a:bodyPr wrap="square" rtlCol="0">
+            <a:spAutoFit/>
+          </a:bodyPr>
+          <a:lstStyle/>
+          <a:p>
+            <a:pPr marL="285750" indent="-285750">
+              <a:buFont typeface="Arial" panose="020B0604020202020204" pitchFamily="34" charset="0"/>
+              <a:buChar char="•"/>
+            </a:pPr>
+            <a:r>
+              <a:rPr lang="fr-FR" sz="1400" dirty="0">
+                <a:solidFill>
+                  <a:schemeClr val="bg1"/>
+                </a:solidFill>
+                <a:hlinkClick r:id="rId8" action="ppaction://hlinksldjump">
+                  <a:extLst>
+                    <a:ext uri="{A12FA001-AC4F-418D-AE19-62706E023703}">
+                      <ahyp:hlinkClr xmlns:ahyp="http://schemas.microsoft.com/office/drawing/2018/hyperlinkcolor" val="tx"/>
+                    </a:ext>
+                  </a:extLst>
+                </a:hlinkClick>
+              </a:rPr>
+              <a:t>Présentation fonctionnement</a:t>
+            </a:r>
+            <a:endParaRPr lang="fr-FR" sz="1400" dirty="0">
+              <a:solidFill>
+                <a:schemeClr val="bg1"/>
+              </a:solidFill>
+            </a:endParaRPr>
+          </a:p>
+          <a:p>
+            <a:pPr marL="285750" indent="-285750">
+              <a:buFont typeface="Arial" panose="020B0604020202020204" pitchFamily="34" charset="0"/>
+              <a:buChar char="•"/>
+            </a:pPr>
+            <a:r>
+              <a:rPr lang="fr-FR" sz="1400" dirty="0">
+                <a:solidFill>
+                  <a:schemeClr val="bg1"/>
+                </a:solidFill>
+                <a:hlinkClick r:id="rId9" action="ppaction://hlinksldjump">
+                  <a:extLst>
+                    <a:ext uri="{A12FA001-AC4F-418D-AE19-62706E023703}">
+                      <ahyp:hlinkClr xmlns:ahyp="http://schemas.microsoft.com/office/drawing/2018/hyperlinkcolor" val="tx"/>
+                    </a:ext>
+                  </a:extLst>
+                </a:hlinkClick>
+              </a:rPr>
+              <a:t>Exemple fonctionnement</a:t>
+            </a:r>
+            <a:endParaRPr lang="fr-FR" sz="1400" dirty="0">
+              <a:solidFill>
+                <a:schemeClr val="bg1"/>
+              </a:solidFill>
+            </a:endParaRPr>
+          </a:p>
+          <a:p>
+            <a:pPr marL="285750" indent="-285750">
+              <a:buFont typeface="Arial" panose="020B0604020202020204" pitchFamily="34" charset="0"/>
+              <a:buChar char="•"/>
+            </a:pPr>
+            <a:endParaRPr lang="fr-FR" sz="1400" dirty="0">
+              <a:solidFill>
+                <a:schemeClr val="bg1"/>
+              </a:solidFill>
+            </a:endParaRPr>
+          </a:p>
+        </p:txBody>
+      </p:sp>
+      <p:sp>
+        <p:nvSpPr>
+          <p:cNvPr id="9" name="ZoneTexte 8">
+            <a:extLst>
+              <a:ext uri="{FF2B5EF4-FFF2-40B4-BE49-F238E27FC236}">
+                <a16:creationId xmlns:a16="http://schemas.microsoft.com/office/drawing/2014/main" id="{9E0D339B-F576-054C-AE47-A25D0CF6219C}"/>
+              </a:ext>
+            </a:extLst>
+          </p:cNvPr>
+          <p:cNvSpPr txBox="1"/>
+          <p:nvPr/>
+        </p:nvSpPr>
+        <p:spPr>
+          <a:xfrm>
+            <a:off x="8021916" y="3365500"/>
+            <a:ext cx="2881371" cy="307777"/>
+          </a:xfrm>
+          <a:prstGeom prst="rect">
+            <a:avLst/>
+          </a:prstGeom>
+          <a:noFill/>
+        </p:spPr>
+        <p:txBody>
+          <a:bodyPr wrap="square" rtlCol="0">
+            <a:spAutoFit/>
+          </a:bodyPr>
+          <a:lstStyle/>
+          <a:p>
+            <a:r>
+              <a:rPr lang="fr-FR" sz="1400" dirty="0">
+                <a:solidFill>
+                  <a:schemeClr val="bg1"/>
+                </a:solidFill>
+              </a:rPr>
+              <a:t>Réunion </a:t>
+            </a:r>
+          </a:p>
+        </p:txBody>
+      </p:sp>
+      <p:sp>
+        <p:nvSpPr>
+          <p:cNvPr id="10" name="ZoneTexte 9">
+            <a:extLst>
+              <a:ext uri="{FF2B5EF4-FFF2-40B4-BE49-F238E27FC236}">
+                <a16:creationId xmlns:a16="http://schemas.microsoft.com/office/drawing/2014/main" id="{9DB3F465-E482-9581-E5E2-C104B5153038}"/>
+              </a:ext>
+            </a:extLst>
+          </p:cNvPr>
+          <p:cNvSpPr txBox="1"/>
+          <p:nvPr/>
+        </p:nvSpPr>
+        <p:spPr>
+          <a:xfrm>
+            <a:off x="7392857" y="4051702"/>
+            <a:ext cx="2656573" cy="954107"/>
+          </a:xfrm>
+          <a:prstGeom prst="rect">
+            <a:avLst/>
+          </a:prstGeom>
+          <a:noFill/>
+        </p:spPr>
+        <p:txBody>
+          <a:bodyPr wrap="square" rtlCol="0">
+            <a:spAutoFit/>
+          </a:bodyPr>
+          <a:lstStyle/>
+          <a:p>
+            <a:pPr marL="285750" indent="-285750">
+              <a:buFont typeface="Arial" panose="020B0604020202020204" pitchFamily="34" charset="0"/>
+              <a:buChar char="•"/>
+            </a:pPr>
+            <a:r>
+              <a:rPr lang="fr-FR" sz="1400" dirty="0" err="1">
+                <a:solidFill>
+                  <a:schemeClr val="bg1"/>
+                </a:solidFill>
+                <a:hlinkClick r:id="rId10" action="ppaction://hlinksldjump">
+                  <a:extLst>
+                    <a:ext uri="{A12FA001-AC4F-418D-AE19-62706E023703}">
+                      <ahyp:hlinkClr xmlns:ahyp="http://schemas.microsoft.com/office/drawing/2018/hyperlinkcolor" val="tx"/>
+                    </a:ext>
+                  </a:extLst>
+                </a:hlinkClick>
+              </a:rPr>
+              <a:t>Review</a:t>
+            </a:r>
+            <a:r>
+              <a:rPr lang="fr-FR" sz="1400" dirty="0">
+                <a:solidFill>
+                  <a:schemeClr val="bg1"/>
+                </a:solidFill>
+                <a:hlinkClick r:id="rId10" action="ppaction://hlinksldjump">
+                  <a:extLst>
+                    <a:ext uri="{A12FA001-AC4F-418D-AE19-62706E023703}">
+                      <ahyp:hlinkClr xmlns:ahyp="http://schemas.microsoft.com/office/drawing/2018/hyperlinkcolor" val="tx"/>
+                    </a:ext>
+                  </a:extLst>
+                </a:hlinkClick>
+              </a:rPr>
+              <a:t> du 1</a:t>
+            </a:r>
+            <a:r>
+              <a:rPr lang="fr-FR" sz="1400" baseline="30000" dirty="0">
+                <a:solidFill>
+                  <a:schemeClr val="bg1"/>
+                </a:solidFill>
+                <a:hlinkClick r:id="rId10" action="ppaction://hlinksldjump">
+                  <a:extLst>
+                    <a:ext uri="{A12FA001-AC4F-418D-AE19-62706E023703}">
+                      <ahyp:hlinkClr xmlns:ahyp="http://schemas.microsoft.com/office/drawing/2018/hyperlinkcolor" val="tx"/>
+                    </a:ext>
+                  </a:extLst>
+                </a:hlinkClick>
+              </a:rPr>
+              <a:t>er</a:t>
+            </a:r>
+            <a:r>
+              <a:rPr lang="fr-FR" sz="1400" dirty="0">
+                <a:solidFill>
+                  <a:schemeClr val="bg1"/>
+                </a:solidFill>
+                <a:hlinkClick r:id="rId10" action="ppaction://hlinksldjump">
+                  <a:extLst>
+                    <a:ext uri="{A12FA001-AC4F-418D-AE19-62706E023703}">
+                      <ahyp:hlinkClr xmlns:ahyp="http://schemas.microsoft.com/office/drawing/2018/hyperlinkcolor" val="tx"/>
+                    </a:ext>
+                  </a:extLst>
+                </a:hlinkClick>
+              </a:rPr>
+              <a:t> sprint</a:t>
+            </a:r>
+            <a:endParaRPr lang="fr-FR" sz="1400" dirty="0">
+              <a:solidFill>
+                <a:schemeClr val="bg1"/>
+              </a:solidFill>
+            </a:endParaRPr>
+          </a:p>
+          <a:p>
+            <a:pPr marL="285750" indent="-285750">
+              <a:buFont typeface="Arial" panose="020B0604020202020204" pitchFamily="34" charset="0"/>
+              <a:buChar char="•"/>
+            </a:pPr>
+            <a:r>
+              <a:rPr lang="fr-FR" sz="1400" dirty="0" err="1">
+                <a:solidFill>
+                  <a:schemeClr val="bg1"/>
+                </a:solidFill>
+                <a:hlinkClick r:id="rId11" action="ppaction://hlinksldjump">
+                  <a:extLst>
+                    <a:ext uri="{A12FA001-AC4F-418D-AE19-62706E023703}">
+                      <ahyp:hlinkClr xmlns:ahyp="http://schemas.microsoft.com/office/drawing/2018/hyperlinkcolor" val="tx"/>
+                    </a:ext>
+                  </a:extLst>
+                </a:hlinkClick>
+              </a:rPr>
+              <a:t>Review</a:t>
+            </a:r>
+            <a:r>
+              <a:rPr lang="fr-FR" sz="1400" dirty="0">
+                <a:solidFill>
+                  <a:schemeClr val="bg1"/>
+                </a:solidFill>
+                <a:hlinkClick r:id="rId11" action="ppaction://hlinksldjump">
+                  <a:extLst>
+                    <a:ext uri="{A12FA001-AC4F-418D-AE19-62706E023703}">
+                      <ahyp:hlinkClr xmlns:ahyp="http://schemas.microsoft.com/office/drawing/2018/hyperlinkcolor" val="tx"/>
+                    </a:ext>
+                  </a:extLst>
+                </a:hlinkClick>
+              </a:rPr>
+              <a:t> du 2</a:t>
+            </a:r>
+            <a:r>
+              <a:rPr lang="fr-FR" sz="1400" baseline="30000" dirty="0">
+                <a:solidFill>
+                  <a:schemeClr val="bg1"/>
+                </a:solidFill>
+                <a:hlinkClick r:id="rId11" action="ppaction://hlinksldjump">
+                  <a:extLst>
+                    <a:ext uri="{A12FA001-AC4F-418D-AE19-62706E023703}">
+                      <ahyp:hlinkClr xmlns:ahyp="http://schemas.microsoft.com/office/drawing/2018/hyperlinkcolor" val="tx"/>
+                    </a:ext>
+                  </a:extLst>
+                </a:hlinkClick>
+              </a:rPr>
+              <a:t>e</a:t>
+            </a:r>
+            <a:r>
+              <a:rPr lang="fr-FR" sz="1400" dirty="0">
+                <a:solidFill>
+                  <a:schemeClr val="bg1"/>
+                </a:solidFill>
+                <a:hlinkClick r:id="rId11" action="ppaction://hlinksldjump">
+                  <a:extLst>
+                    <a:ext uri="{A12FA001-AC4F-418D-AE19-62706E023703}">
+                      <ahyp:hlinkClr xmlns:ahyp="http://schemas.microsoft.com/office/drawing/2018/hyperlinkcolor" val="tx"/>
+                    </a:ext>
+                  </a:extLst>
+                </a:hlinkClick>
+              </a:rPr>
+              <a:t> sprint</a:t>
+            </a:r>
+            <a:endParaRPr lang="fr-FR" sz="1400" dirty="0">
+              <a:solidFill>
+                <a:schemeClr val="bg1"/>
+              </a:solidFill>
+            </a:endParaRPr>
+          </a:p>
+          <a:p>
+            <a:pPr marL="285750" indent="-285750">
+              <a:buFont typeface="Arial" panose="020B0604020202020204" pitchFamily="34" charset="0"/>
+              <a:buChar char="•"/>
+            </a:pPr>
+            <a:r>
+              <a:rPr lang="fr-FR" sz="1400" dirty="0" err="1">
+                <a:solidFill>
+                  <a:schemeClr val="bg1"/>
+                </a:solidFill>
+                <a:hlinkClick r:id="rId12" action="ppaction://hlinksldjump">
+                  <a:extLst>
+                    <a:ext uri="{A12FA001-AC4F-418D-AE19-62706E023703}">
+                      <ahyp:hlinkClr xmlns:ahyp="http://schemas.microsoft.com/office/drawing/2018/hyperlinkcolor" val="tx"/>
+                    </a:ext>
+                  </a:extLst>
+                </a:hlinkClick>
+              </a:rPr>
+              <a:t>Review</a:t>
+            </a:r>
+            <a:r>
+              <a:rPr lang="fr-FR" sz="1400" dirty="0">
+                <a:solidFill>
+                  <a:schemeClr val="bg1"/>
+                </a:solidFill>
+                <a:hlinkClick r:id="rId12" action="ppaction://hlinksldjump">
+                  <a:extLst>
+                    <a:ext uri="{A12FA001-AC4F-418D-AE19-62706E023703}">
+                      <ahyp:hlinkClr xmlns:ahyp="http://schemas.microsoft.com/office/drawing/2018/hyperlinkcolor" val="tx"/>
+                    </a:ext>
+                  </a:extLst>
+                </a:hlinkClick>
+              </a:rPr>
+              <a:t> du 3</a:t>
+            </a:r>
+            <a:r>
+              <a:rPr lang="fr-FR" sz="1400" baseline="30000" dirty="0">
+                <a:solidFill>
+                  <a:schemeClr val="bg1"/>
+                </a:solidFill>
+                <a:hlinkClick r:id="rId12" action="ppaction://hlinksldjump">
+                  <a:extLst>
+                    <a:ext uri="{A12FA001-AC4F-418D-AE19-62706E023703}">
+                      <ahyp:hlinkClr xmlns:ahyp="http://schemas.microsoft.com/office/drawing/2018/hyperlinkcolor" val="tx"/>
+                    </a:ext>
+                  </a:extLst>
+                </a:hlinkClick>
+              </a:rPr>
+              <a:t>e</a:t>
+            </a:r>
+            <a:r>
+              <a:rPr lang="fr-FR" sz="1400" dirty="0">
+                <a:solidFill>
+                  <a:schemeClr val="bg1"/>
+                </a:solidFill>
+                <a:hlinkClick r:id="rId12" action="ppaction://hlinksldjump">
+                  <a:extLst>
+                    <a:ext uri="{A12FA001-AC4F-418D-AE19-62706E023703}">
+                      <ahyp:hlinkClr xmlns:ahyp="http://schemas.microsoft.com/office/drawing/2018/hyperlinkcolor" val="tx"/>
+                    </a:ext>
+                  </a:extLst>
+                </a:hlinkClick>
+              </a:rPr>
+              <a:t> sprint</a:t>
+            </a:r>
+            <a:endParaRPr lang="fr-FR" sz="1400" dirty="0">
+              <a:solidFill>
+                <a:schemeClr val="bg1"/>
+              </a:solidFill>
+            </a:endParaRPr>
+          </a:p>
+          <a:p>
+            <a:pPr marL="285750" indent="-285750">
+              <a:buFont typeface="Arial" panose="020B0604020202020204" pitchFamily="34" charset="0"/>
+              <a:buChar char="•"/>
+            </a:pPr>
+            <a:endParaRPr lang="fr-FR" sz="1400" dirty="0">
+              <a:solidFill>
+                <a:schemeClr val="bg1"/>
+              </a:solidFill>
+            </a:endParaRPr>
+          </a:p>
+        </p:txBody>
+      </p:sp>
     </p:spTree>
     <p:extLst>
       <p:ext uri="{BB962C8B-B14F-4D97-AF65-F5344CB8AC3E}">
@@ -5518,7 +6164,7 @@
             <a:gs pos="0">
               <a:srgbClr val="F9DDCB"/>
             </a:gs>
-            <a:gs pos="28000">
+            <a:gs pos="0">
               <a:srgbClr val="F9DDCB"/>
             </a:gs>
             <a:gs pos="100000">
@@ -5554,6 +6200,53 @@
       </p:grpSpPr>
       <p:sp>
         <p:nvSpPr>
+          <p:cNvPr id="2" name="ZoneTexte 1">
+            <a:extLst>
+              <a:ext uri="{FF2B5EF4-FFF2-40B4-BE49-F238E27FC236}">
+                <a16:creationId xmlns:a16="http://schemas.microsoft.com/office/drawing/2014/main" id="{B822A59B-2D1D-92FB-0A09-3ED42F9D4C9C}"/>
+              </a:ext>
+            </a:extLst>
+          </p:cNvPr>
+          <p:cNvSpPr txBox="1"/>
+          <p:nvPr/>
+        </p:nvSpPr>
+        <p:spPr>
+          <a:xfrm>
+            <a:off x="4750998" y="221728"/>
+            <a:ext cx="2571538" cy="461665"/>
+          </a:xfrm>
+          <a:prstGeom prst="rect">
+            <a:avLst/>
+          </a:prstGeom>
+          <a:noFill/>
+        </p:spPr>
+        <p:txBody>
+          <a:bodyPr wrap="none" rtlCol="0">
+            <a:spAutoFit/>
+          </a:bodyPr>
+          <a:lstStyle/>
+          <a:p>
+            <a:r>
+              <a:rPr lang="fr-FR" sz="2400" dirty="0" err="1"/>
+              <a:t>Review</a:t>
+            </a:r>
+            <a:r>
+              <a:rPr lang="fr-FR" sz="2400" dirty="0"/>
+              <a:t> 1</a:t>
+            </a:r>
+            <a:r>
+              <a:rPr lang="fr-FR" sz="2400" baseline="30000" dirty="0"/>
+              <a:t>er</a:t>
+            </a:r>
+            <a:r>
+              <a:rPr lang="fr-FR" sz="2400" dirty="0"/>
+              <a:t> sprint</a:t>
+            </a:r>
+          </a:p>
+        </p:txBody>
+      </p:sp>
+      <p:sp>
+        <p:nvSpPr>
           <p:cNvPr id="4" name="ZoneTexte 3">
             <a:extLst>
               <a:ext uri="{FF2B5EF4-FFF2-40B4-BE49-F238E27FC236}">
@@ -5567,7 +6260,7 @@
         <p:spPr>
           <a:xfrm>
             <a:off x="636626" y="859190"/>
-            <a:ext cx="2055371" cy="369332"/>
+            <a:ext cx="8186857" cy="369332"/>
           </a:xfrm>
           <a:prstGeom prst="rect">
             <a:avLst/>
@@ -5582,25 +6275,25 @@
           <a:p>
             <a:r>
               <a:rPr lang="fr-FR" dirty="0"/>
-              <a:t>1</a:t>
-            </a:r>
-            <a:r>
-              <a:rPr lang="fr-FR" baseline="30000" dirty="0"/>
-              <a:t>er</a:t>
+              <a:t>Première réunion avec </a:t>
+            </a:r>
+            <a:r>
+              <a:rPr lang="fr-FR" dirty="0" err="1"/>
+              <a:t>john</a:t>
             </a:r>
             <a:r>
               <a:rPr lang="fr-FR" dirty="0"/>
-              <a:t> étape sprint 2</a:t>
-            </a:r>
-          </a:p>
-        </p:txBody>
-      </p:sp>
-      <p:sp>
-        <p:nvSpPr>
-          <p:cNvPr id="3" name="ZoneTexte 2">
+              <a:t>, l’équipe de développement et moi-même</a:t>
+            </a:r>
+          </a:p>
+        </p:txBody>
+      </p:sp>
+      <p:sp>
+        <p:nvSpPr>
+          <p:cNvPr id="6" name="ZoneTexte 5">
             <a:extLst>
               <a:ext uri="{FF2B5EF4-FFF2-40B4-BE49-F238E27FC236}">
-                <a16:creationId xmlns:a16="http://schemas.microsoft.com/office/drawing/2014/main" id="{EC1497A2-887D-DABF-07B7-1EE0E49E2B7F}"/>
+                <a16:creationId xmlns:a16="http://schemas.microsoft.com/office/drawing/2014/main" id="{FC81E64E-98E0-270D-096F-763B7996C597}"/>
               </a:ext>
             </a:extLst>
           </p:cNvPr>
@@ -5609,8 +6302,8 @@
         </p:nvSpPr>
         <p:spPr>
           <a:xfrm>
-            <a:off x="4750998" y="221728"/>
-            <a:ext cx="3659976" cy="461665"/>
+            <a:off x="2492944" y="1703670"/>
+            <a:ext cx="5149516" cy="4247317"/>
           </a:xfrm>
           <a:prstGeom prst="rect">
             <a:avLst/>
@@ -5618,41 +6311,6 @@
           <a:noFill/>
         </p:spPr>
         <p:txBody>
-          <a:bodyPr wrap="none" rtlCol="0">
-            <a:spAutoFit/>
-          </a:bodyPr>
-          <a:lstStyle/>
-          <a:p>
-            <a:r>
-              <a:rPr lang="fr-FR" sz="2400" dirty="0"/>
-              <a:t>Présentation technique</a:t>
-            </a:r>
-          </a:p>
-        </p:txBody>
-      </p:sp>
-      <p:sp>
-        <p:nvSpPr>
-          <p:cNvPr id="5" name="ZoneTexte 4">
-            <a:extLst>
-              <a:ext uri="{FF2B5EF4-FFF2-40B4-BE49-F238E27FC236}">
-                <a16:creationId xmlns:a16="http://schemas.microsoft.com/office/drawing/2014/main" id="{4C493498-90D8-DAD7-0E25-46B52AF492E9}"/>
-              </a:ext>
-            </a:extLst>
-          </p:cNvPr>
-          <p:cNvSpPr txBox="1"/>
-          <p:nvPr/>
-        </p:nvSpPr>
-        <p:spPr>
-          <a:xfrm>
-            <a:off x="6096000" y="1520790"/>
-            <a:ext cx="5149516" cy="3970318"/>
-          </a:xfrm>
-          <a:prstGeom prst="rect">
-            <a:avLst/>
-          </a:prstGeom>
-          <a:noFill/>
-        </p:spPr>
-        <p:txBody>
           <a:bodyPr wrap="square" rtlCol="0">
             <a:spAutoFit/>
           </a:bodyPr>
@@ -5660,78 +6318,84 @@
           <a:p>
             <a:r>
               <a:rPr lang="fr-FR" dirty="0"/>
-              <a:t>Suite à la réunion de fin de sprint, la première étape du sprint 2 et de pouvoir corriger toute les demandes.</a:t>
+              <a:t>A chaque fin de sprint mon équipe et moi-même auront une réunion avec vous, pour vous présenter l’avancé du projet, le site doit :  </a:t>
             </a:r>
           </a:p>
           <a:p>
             <a:endParaRPr lang="fr-FR" dirty="0"/>
           </a:p>
           <a:p>
+            <a:pPr marL="285750" indent="-285750">
+              <a:buFont typeface="Arial" panose="020B0604020202020204" pitchFamily="34" charset="0"/>
+              <a:buChar char="•"/>
+            </a:pPr>
             <a:r>
               <a:rPr lang="fr-FR" dirty="0"/>
-              <a:t>Mail de confirmation du compte rendu</a:t>
+              <a:t>Avoir une page d’accueil </a:t>
+            </a:r>
+          </a:p>
+          <a:p>
+            <a:pPr marL="285750" indent="-285750">
+              <a:buFont typeface="Arial" panose="020B0604020202020204" pitchFamily="34" charset="0"/>
+              <a:buChar char="•"/>
+            </a:pPr>
+            <a:r>
+              <a:rPr lang="fr-FR" dirty="0"/>
+              <a:t>Avoir une modale login fonctionnel</a:t>
+            </a:r>
+          </a:p>
+          <a:p>
+            <a:pPr marL="285750" indent="-285750">
+              <a:buFont typeface="Arial" panose="020B0604020202020204" pitchFamily="34" charset="0"/>
+              <a:buChar char="•"/>
+            </a:pPr>
+            <a:r>
+              <a:rPr lang="fr-FR" dirty="0"/>
+              <a:t>Pouvoir créer un menu</a:t>
+            </a:r>
+          </a:p>
+          <a:p>
+            <a:pPr marL="285750" indent="-285750">
+              <a:buFont typeface="Arial" panose="020B0604020202020204" pitchFamily="34" charset="0"/>
+              <a:buChar char="•"/>
+            </a:pPr>
+            <a:r>
+              <a:rPr lang="fr-FR" dirty="0"/>
+              <a:t>Avoir le visuel de la création en instantané</a:t>
+            </a:r>
+          </a:p>
+          <a:p>
+            <a:pPr marL="285750" indent="-285750">
+              <a:buFont typeface="Arial" panose="020B0604020202020204" pitchFamily="34" charset="0"/>
+              <a:buChar char="•"/>
+            </a:pPr>
+            <a:r>
+              <a:rPr lang="fr-FR" dirty="0"/>
+              <a:t>Pouvoir enregistrer son menu sur son compte</a:t>
+            </a:r>
+          </a:p>
+          <a:p>
+            <a:pPr marL="285750" indent="-285750">
+              <a:buFont typeface="Arial" panose="020B0604020202020204" pitchFamily="34" charset="0"/>
+              <a:buChar char="•"/>
+            </a:pPr>
+            <a:r>
+              <a:rPr lang="fr-FR" dirty="0"/>
+              <a:t>Pouvoir exporter son menu en format PDF</a:t>
             </a:r>
           </a:p>
           <a:p>
             <a:endParaRPr lang="fr-FR" dirty="0"/>
           </a:p>
           <a:p>
-            <a:r>
-              <a:rPr lang="fr-FR" dirty="0"/>
-              <a:t>Le chef de projet réaménage le sprint 2 et 3 en fonction des demandes et du compte rendue </a:t>
-            </a:r>
-          </a:p>
-          <a:p>
             <a:endParaRPr lang="fr-FR" dirty="0"/>
           </a:p>
-          <a:p>
-            <a:r>
-              <a:rPr lang="fr-FR" dirty="0"/>
-              <a:t>Pendant ce temps les Dev attaque les tâches prévue pour le sprint 2 et 3</a:t>
-            </a:r>
-          </a:p>
-          <a:p>
-            <a:endParaRPr lang="fr-FR" dirty="0"/>
-          </a:p>
-          <a:p>
-            <a:endParaRPr lang="fr-FR" dirty="0"/>
-          </a:p>
-        </p:txBody>
-      </p:sp>
-      <p:pic>
-        <p:nvPicPr>
-          <p:cNvPr id="8" name="Image 7">
-            <a:extLst>
-              <a:ext uri="{FF2B5EF4-FFF2-40B4-BE49-F238E27FC236}">
-                <a16:creationId xmlns:a16="http://schemas.microsoft.com/office/drawing/2014/main" id="{0EBE3A41-AB8E-1503-4D6E-DD5B72F58648}"/>
-              </a:ext>
-            </a:extLst>
-          </p:cNvPr>
-          <p:cNvPicPr>
-            <a:picLocks noChangeAspect="1"/>
-          </p:cNvPicPr>
-          <p:nvPr/>
-        </p:nvPicPr>
-        <p:blipFill>
-          <a:blip r:embed="rId2"/>
-          <a:stretch>
-            <a:fillRect/>
-          </a:stretch>
-        </p:blipFill>
-        <p:spPr>
-          <a:xfrm>
-            <a:off x="374583" y="1680160"/>
-            <a:ext cx="5300449" cy="3497680"/>
-          </a:xfrm>
-          <a:prstGeom prst="rect">
-            <a:avLst/>
-          </a:prstGeom>
-        </p:spPr>
-      </p:pic>
+        </p:txBody>
+      </p:sp>
     </p:spTree>
     <p:extLst>
       <p:ext uri="{BB962C8B-B14F-4D97-AF65-F5344CB8AC3E}">
-        <p14:creationId xmlns:p14="http://schemas.microsoft.com/office/powerpoint/2010/main" val="4198948575"/>
+        <p14:creationId xmlns:p14="http://schemas.microsoft.com/office/powerpoint/2010/main" val="3063104339"/>
       </p:ext>
     </p:extLst>
   </p:cSld>
@@ -5800,7 +6464,7 @@
         <p:spPr>
           <a:xfrm>
             <a:off x="636626" y="859190"/>
-            <a:ext cx="2060179" cy="369332"/>
+            <a:ext cx="958917" cy="369332"/>
           </a:xfrm>
           <a:prstGeom prst="rect">
             <a:avLst/>
@@ -5815,15 +6479,7 @@
           <a:p>
             <a:r>
               <a:rPr lang="fr-FR" dirty="0"/>
-              <a:t>2</a:t>
-            </a:r>
-            <a:r>
-              <a:rPr lang="fr-FR" baseline="30000" dirty="0"/>
-              <a:t>e</a:t>
-            </a:r>
-            <a:r>
-              <a:rPr lang="fr-FR" dirty="0"/>
-              <a:t> étape sprint 2</a:t>
+              <a:t>sprint 2</a:t>
             </a:r>
           </a:p>
         </p:txBody>
@@ -6025,7 +6681,7 @@
         <p:spPr>
           <a:xfrm>
             <a:off x="4750998" y="221728"/>
-            <a:ext cx="3193503" cy="461665"/>
+            <a:ext cx="2509020" cy="461665"/>
           </a:xfrm>
           <a:prstGeom prst="rect">
             <a:avLst/>
@@ -6039,8 +6695,12 @@
           <a:lstStyle/>
           <a:p>
             <a:r>
+              <a:rPr lang="fr-FR" sz="2400" dirty="0" err="1"/>
+              <a:t>Review</a:t>
+            </a:r>
+            <a:r>
               <a:rPr lang="fr-FR" sz="2400" dirty="0"/>
-              <a:t>Réunion du 2</a:t>
+              <a:t> 2</a:t>
             </a:r>
             <a:r>
               <a:rPr lang="fr-FR" sz="2400" baseline="30000" dirty="0"/>
@@ -6068,7 +6728,7 @@
         <p:spPr>
           <a:xfrm>
             <a:off x="636626" y="859190"/>
-            <a:ext cx="8065028" cy="369332"/>
+            <a:ext cx="6413935" cy="369332"/>
           </a:xfrm>
           <a:prstGeom prst="rect">
             <a:avLst/>
@@ -6083,7 +6743,7 @@
           <a:p>
             <a:r>
               <a:rPr lang="fr-FR" dirty="0"/>
-              <a:t>Deuxième réunion avec le client, les développeurs et le chef de projet</a:t>
+              <a:t>Deuxième réunion les développeurs et le chef de projet</a:t>
             </a:r>
           </a:p>
         </p:txBody>
@@ -6118,7 +6778,15 @@
           <a:p>
             <a:r>
               <a:rPr lang="fr-FR" dirty="0"/>
-              <a:t>A chaque fin de sprint mon équipe et moi-même auront une réunion avec vous, pour vous présenter l’avancé du projet, le site doit :  </a:t>
+              <a:t>Cette réunion est juste une mise au point concernant les demandes faites de la première </a:t>
+            </a:r>
+            <a:r>
+              <a:rPr lang="fr-FR" dirty="0" err="1"/>
+              <a:t>review</a:t>
+            </a:r>
+            <a:r>
+              <a:rPr lang="fr-FR" dirty="0"/>
+              <a:t> et des ajouts de fonctionnalités a notre application. </a:t>
             </a:r>
           </a:p>
           <a:p>
@@ -6264,7 +6932,7 @@
         <p:spPr>
           <a:xfrm>
             <a:off x="636626" y="859190"/>
-            <a:ext cx="2055371" cy="369332"/>
+            <a:ext cx="958917" cy="369332"/>
           </a:xfrm>
           <a:prstGeom prst="rect">
             <a:avLst/>
@@ -6279,15 +6947,7 @@
           <a:p>
             <a:r>
               <a:rPr lang="fr-FR" dirty="0"/>
-              <a:t>1</a:t>
-            </a:r>
-            <a:r>
-              <a:rPr lang="fr-FR" baseline="30000" dirty="0"/>
-              <a:t>er</a:t>
-            </a:r>
-            <a:r>
-              <a:rPr lang="fr-FR" dirty="0"/>
-              <a:t> étape sprint 3</a:t>
+              <a:t>sprint 3</a:t>
             </a:r>
           </a:p>
         </p:txBody>
@@ -6342,7 +7002,7 @@
         <p:spPr>
           <a:xfrm>
             <a:off x="6096000" y="1520790"/>
-            <a:ext cx="5149516" cy="4801314"/>
+            <a:ext cx="5149516" cy="4524315"/>
           </a:xfrm>
           <a:prstGeom prst="rect">
             <a:avLst/>
@@ -6357,7 +7017,15 @@
           <a:p>
             <a:r>
               <a:rPr lang="fr-FR" dirty="0"/>
-              <a:t>Suite à la réunion de fin de sprint, la première étape du sprint 3 et de pouvoir corriger toute les demandes.</a:t>
+              <a:t>Suite au sprint </a:t>
+            </a:r>
+            <a:r>
+              <a:rPr lang="fr-FR" dirty="0" err="1"/>
+              <a:t>review</a:t>
+            </a:r>
+            <a:r>
+              <a:rPr lang="fr-FR" dirty="0"/>
+              <a:t>, la première étape du sprint 3 et de pouvoir corriger toute les demandes.</a:t>
             </a:r>
           </a:p>
           <a:p>
@@ -6375,7 +7043,7 @@
           <a:p>
             <a:r>
               <a:rPr lang="fr-FR" dirty="0"/>
-              <a:t>Le chef de projet réaménage le sprint 3 en fonction des demandes et du compte rendue </a:t>
+              <a:t>Je réorganise le planning de fin de sprint en fonction des demandes effectué</a:t>
             </a:r>
           </a:p>
           <a:p>
@@ -6448,209 +7116,6 @@
 </file>
 
 <file path=ppt/slides/slide14.xml><?xml version="1.0" encoding="utf-8"?>
-<p:sld xmlns:a="http://schemas.openxmlformats.org/drawingml/2006/main" xmlns:r="http://schemas.openxmlformats.org/officeDocument/2006/relationships" xmlns:p="http://schemas.openxmlformats.org/presentationml/2006/main">
-  <p:cSld>
-    <p:bg>
-      <p:bgPr>
-        <a:gradFill flip="none" rotWithShape="1">
-          <a:gsLst>
-            <a:gs pos="0">
-              <a:srgbClr val="F9DDCB"/>
-            </a:gs>
-            <a:gs pos="28000">
-              <a:srgbClr val="F9DDCB"/>
-            </a:gs>
-            <a:gs pos="100000">
-              <a:schemeClr val="bg2">
-                <a:shade val="96000"/>
-                <a:hueMod val="88000"/>
-                <a:satMod val="220000"/>
-                <a:lumMod val="82000"/>
-              </a:schemeClr>
-            </a:gs>
-          </a:gsLst>
-          <a:path path="circle">
-            <a:fillToRect t="100000" r="100000"/>
-          </a:path>
-          <a:tileRect l="-100000" b="-100000"/>
-        </a:gradFill>
-        <a:effectLst/>
-      </p:bgPr>
-    </p:bg>
-    <p:spTree>
-      <p:nvGrpSpPr>
-        <p:cNvPr id="1" name=""/>
-        <p:cNvGrpSpPr/>
-        <p:nvPr/>
-      </p:nvGrpSpPr>
-      <p:grpSpPr>
-        <a:xfrm>
-          <a:off x="0" y="0"/>
-          <a:ext cx="0" cy="0"/>
-          <a:chOff x="0" y="0"/>
-          <a:chExt cx="0" cy="0"/>
-        </a:xfrm>
-      </p:grpSpPr>
-      <p:sp>
-        <p:nvSpPr>
-          <p:cNvPr id="4" name="ZoneTexte 3">
-            <a:extLst>
-              <a:ext uri="{FF2B5EF4-FFF2-40B4-BE49-F238E27FC236}">
-                <a16:creationId xmlns:a16="http://schemas.microsoft.com/office/drawing/2014/main" id="{61E6BD53-A9C5-8F32-A47F-3E72E59440CE}"/>
-              </a:ext>
-            </a:extLst>
-          </p:cNvPr>
-          <p:cNvSpPr txBox="1"/>
-          <p:nvPr/>
-        </p:nvSpPr>
-        <p:spPr>
-          <a:xfrm>
-            <a:off x="636626" y="859190"/>
-            <a:ext cx="2060179" cy="369332"/>
-          </a:xfrm>
-          <a:prstGeom prst="rect">
-            <a:avLst/>
-          </a:prstGeom>
-          <a:noFill/>
-        </p:spPr>
-        <p:txBody>
-          <a:bodyPr wrap="none" rtlCol="0">
-            <a:spAutoFit/>
-          </a:bodyPr>
-          <a:lstStyle/>
-          <a:p>
-            <a:r>
-              <a:rPr lang="fr-FR" dirty="0"/>
-              <a:t>2</a:t>
-            </a:r>
-            <a:r>
-              <a:rPr lang="fr-FR" baseline="30000" dirty="0"/>
-              <a:t>e</a:t>
-            </a:r>
-            <a:r>
-              <a:rPr lang="fr-FR" dirty="0"/>
-              <a:t> étape sprint 3</a:t>
-            </a:r>
-          </a:p>
-        </p:txBody>
-      </p:sp>
-      <p:sp>
-        <p:nvSpPr>
-          <p:cNvPr id="3" name="ZoneTexte 2">
-            <a:extLst>
-              <a:ext uri="{FF2B5EF4-FFF2-40B4-BE49-F238E27FC236}">
-                <a16:creationId xmlns:a16="http://schemas.microsoft.com/office/drawing/2014/main" id="{EC1497A2-887D-DABF-07B7-1EE0E49E2B7F}"/>
-              </a:ext>
-            </a:extLst>
-          </p:cNvPr>
-          <p:cNvSpPr txBox="1"/>
-          <p:nvPr/>
-        </p:nvSpPr>
-        <p:spPr>
-          <a:xfrm>
-            <a:off x="4750998" y="221728"/>
-            <a:ext cx="3659976" cy="461665"/>
-          </a:xfrm>
-          <a:prstGeom prst="rect">
-            <a:avLst/>
-          </a:prstGeom>
-          <a:noFill/>
-        </p:spPr>
-        <p:txBody>
-          <a:bodyPr wrap="none" rtlCol="0">
-            <a:spAutoFit/>
-          </a:bodyPr>
-          <a:lstStyle/>
-          <a:p>
-            <a:r>
-              <a:rPr lang="fr-FR" sz="2400" dirty="0"/>
-              <a:t>Présentation technique</a:t>
-            </a:r>
-          </a:p>
-        </p:txBody>
-      </p:sp>
-      <p:sp>
-        <p:nvSpPr>
-          <p:cNvPr id="5" name="ZoneTexte 4">
-            <a:extLst>
-              <a:ext uri="{FF2B5EF4-FFF2-40B4-BE49-F238E27FC236}">
-                <a16:creationId xmlns:a16="http://schemas.microsoft.com/office/drawing/2014/main" id="{4C493498-90D8-DAD7-0E25-46B52AF492E9}"/>
-              </a:ext>
-            </a:extLst>
-          </p:cNvPr>
-          <p:cNvSpPr txBox="1"/>
-          <p:nvPr/>
-        </p:nvSpPr>
-        <p:spPr>
-          <a:xfrm>
-            <a:off x="6096000" y="1520790"/>
-            <a:ext cx="5149516" cy="2031325"/>
-          </a:xfrm>
-          <a:prstGeom prst="rect">
-            <a:avLst/>
-          </a:prstGeom>
-          <a:noFill/>
-        </p:spPr>
-        <p:txBody>
-          <a:bodyPr wrap="square" rtlCol="0">
-            <a:spAutoFit/>
-          </a:bodyPr>
-          <a:lstStyle/>
-          <a:p>
-            <a:r>
-              <a:rPr lang="fr-FR" dirty="0"/>
-              <a:t>La dernière étape du sprint 3 est commune, le Dev Backend devra rendre possible l’ajout d’un logo sur le compte du client et le Dev Frontend devra permettre de rendre le logo modifiable et avoir un rendu sur le menu</a:t>
-            </a:r>
-          </a:p>
-          <a:p>
-            <a:endParaRPr lang="fr-FR" dirty="0"/>
-          </a:p>
-        </p:txBody>
-      </p:sp>
-      <p:pic>
-        <p:nvPicPr>
-          <p:cNvPr id="7" name="Image 6">
-            <a:extLst>
-              <a:ext uri="{FF2B5EF4-FFF2-40B4-BE49-F238E27FC236}">
-                <a16:creationId xmlns:a16="http://schemas.microsoft.com/office/drawing/2014/main" id="{1EC84AA1-2478-D603-4EE7-72E43F9E60ED}"/>
-              </a:ext>
-            </a:extLst>
-          </p:cNvPr>
-          <p:cNvPicPr>
-            <a:picLocks noChangeAspect="1"/>
-          </p:cNvPicPr>
-          <p:nvPr/>
-        </p:nvPicPr>
-        <p:blipFill>
-          <a:blip r:embed="rId2"/>
-          <a:stretch>
-            <a:fillRect/>
-          </a:stretch>
-        </p:blipFill>
-        <p:spPr>
-          <a:xfrm>
-            <a:off x="1170271" y="1674796"/>
-            <a:ext cx="2885924" cy="4437496"/>
-          </a:xfrm>
-          <a:prstGeom prst="rect">
-            <a:avLst/>
-          </a:prstGeom>
-        </p:spPr>
-      </p:pic>
-    </p:spTree>
-    <p:extLst>
-      <p:ext uri="{BB962C8B-B14F-4D97-AF65-F5344CB8AC3E}">
-        <p14:creationId xmlns:p14="http://schemas.microsoft.com/office/powerpoint/2010/main" val="3291571004"/>
-      </p:ext>
-    </p:extLst>
-  </p:cSld>
-  <p:clrMapOvr>
-    <a:masterClrMapping/>
-  </p:clrMapOvr>
-</p:sld>
-</file>
-
-<file path=ppt/slides/slide15.xml><?xml version="1.0" encoding="utf-8"?>
 <p:sld xmlns:a="http://schemas.openxmlformats.org/drawingml/2006/main" xmlns:r="http://schemas.openxmlformats.org/officeDocument/2006/relationships" xmlns:p="http://schemas.openxmlformats.org/presentationml/2006/main">
   <p:cSld>
     <p:bg>
@@ -6709,7 +7174,7 @@
         <p:spPr>
           <a:xfrm>
             <a:off x="4750998" y="221728"/>
-            <a:ext cx="3130985" cy="461665"/>
+            <a:ext cx="2509020" cy="461665"/>
           </a:xfrm>
           <a:prstGeom prst="rect">
             <a:avLst/>
@@ -6723,8 +7188,12 @@
           <a:lstStyle/>
           <a:p>
             <a:r>
+              <a:rPr lang="fr-FR" sz="2400" dirty="0" err="1"/>
+              <a:t>Review</a:t>
+            </a:r>
+            <a:r>
               <a:rPr lang="fr-FR" sz="2400" dirty="0"/>
-              <a:t>Réunion du 3</a:t>
+              <a:t> 3</a:t>
             </a:r>
             <a:r>
               <a:rPr lang="fr-FR" sz="2400" baseline="30000" dirty="0"/>
@@ -6787,7 +7256,7 @@
         <p:spPr>
           <a:xfrm>
             <a:off x="2492944" y="1703670"/>
-            <a:ext cx="5149516" cy="3139321"/>
+            <a:ext cx="5149516" cy="3693319"/>
           </a:xfrm>
           <a:prstGeom prst="rect">
             <a:avLst/>
@@ -6802,7 +7271,7 @@
           <a:p>
             <a:r>
               <a:rPr lang="fr-FR" dirty="0"/>
-              <a:t>A chaque fin de sprint mon équipe et moi-même auront une réunion avec vous, pour vous présenter l’avancé du projet, le site doit :  </a:t>
+              <a:t>Nous sommes arrivés à notre dernière réunion de sprint, a ce stade le site doit : </a:t>
             </a:r>
           </a:p>
           <a:p>
@@ -6829,12 +7298,39 @@
             </a:r>
           </a:p>
           <a:p>
+            <a:pPr marL="285750" indent="-285750">
+              <a:buFont typeface="Arial" panose="020B0604020202020204" pitchFamily="34" charset="0"/>
+              <a:buChar char="•"/>
+            </a:pPr>
+            <a:r>
+              <a:rPr lang="fr-FR" dirty="0"/>
+              <a:t>Prêt au déploiement</a:t>
+            </a:r>
+          </a:p>
+          <a:p>
             <a:endParaRPr lang="fr-FR" dirty="0"/>
           </a:p>
           <a:p>
             <a:r>
               <a:rPr lang="fr-FR" dirty="0"/>
               <a:t>Nous prévoyons une semaine pour toute modification.</a:t>
+            </a:r>
+          </a:p>
+          <a:p>
+            <a:endParaRPr lang="fr-FR" dirty="0"/>
+          </a:p>
+          <a:p>
+            <a:r>
+              <a:rPr lang="fr-FR" dirty="0"/>
+              <a:t>Si confirmation client, déploiement à la fin du 3</a:t>
+            </a:r>
+            <a:r>
+              <a:rPr lang="fr-FR" baseline="30000" dirty="0"/>
+              <a:t>e</a:t>
+            </a:r>
+            <a:r>
+              <a:rPr lang="fr-FR" dirty="0"/>
+              <a:t> sprint.</a:t>
             </a:r>
           </a:p>
           <a:p>
@@ -6846,6 +7342,126 @@
     <p:extLst>
       <p:ext uri="{BB962C8B-B14F-4D97-AF65-F5344CB8AC3E}">
         <p14:creationId xmlns:p14="http://schemas.microsoft.com/office/powerpoint/2010/main" val="2295049603"/>
+      </p:ext>
+    </p:extLst>
+  </p:cSld>
+  <p:clrMapOvr>
+    <a:masterClrMapping/>
+  </p:clrMapOvr>
+</p:sld>
+</file>
+
+<file path=ppt/slides/slide15.xml><?xml version="1.0" encoding="utf-8"?>
+<p:sld xmlns:a="http://schemas.openxmlformats.org/drawingml/2006/main" xmlns:r="http://schemas.openxmlformats.org/officeDocument/2006/relationships" xmlns:p="http://schemas.openxmlformats.org/presentationml/2006/main">
+  <p:cSld>
+    <p:spTree>
+      <p:nvGrpSpPr>
+        <p:cNvPr id="1" name=""/>
+        <p:cNvGrpSpPr/>
+        <p:nvPr/>
+      </p:nvGrpSpPr>
+      <p:grpSpPr>
+        <a:xfrm>
+          <a:off x="0" y="0"/>
+          <a:ext cx="0" cy="0"/>
+          <a:chOff x="0" y="0"/>
+          <a:chExt cx="0" cy="0"/>
+        </a:xfrm>
+      </p:grpSpPr>
+      <p:sp>
+        <p:nvSpPr>
+          <p:cNvPr id="5" name="ZoneTexte 4">
+            <a:extLst>
+              <a:ext uri="{FF2B5EF4-FFF2-40B4-BE49-F238E27FC236}">
+                <a16:creationId xmlns:a16="http://schemas.microsoft.com/office/drawing/2014/main" id="{C1504EF1-0EC8-BE26-894C-C63A8844C8E2}"/>
+              </a:ext>
+            </a:extLst>
+          </p:cNvPr>
+          <p:cNvSpPr txBox="1"/>
+          <p:nvPr/>
+        </p:nvSpPr>
+        <p:spPr>
+          <a:xfrm>
+            <a:off x="4604245" y="774700"/>
+            <a:ext cx="2983509" cy="369332"/>
+          </a:xfrm>
+          <a:prstGeom prst="rect">
+            <a:avLst/>
+          </a:prstGeom>
+          <a:noFill/>
+        </p:spPr>
+        <p:txBody>
+          <a:bodyPr wrap="none" rtlCol="0">
+            <a:spAutoFit/>
+          </a:bodyPr>
+          <a:lstStyle/>
+          <a:p>
+            <a:r>
+              <a:rPr lang="fr-FR" dirty="0"/>
+              <a:t>Merci pour votre écoute </a:t>
+            </a:r>
+          </a:p>
+        </p:txBody>
+      </p:sp>
+      <p:sp>
+        <p:nvSpPr>
+          <p:cNvPr id="6" name="ZoneTexte 5">
+            <a:extLst>
+              <a:ext uri="{FF2B5EF4-FFF2-40B4-BE49-F238E27FC236}">
+                <a16:creationId xmlns:a16="http://schemas.microsoft.com/office/drawing/2014/main" id="{54F4E743-4881-FF2C-E0D0-0B81941009CC}"/>
+              </a:ext>
+            </a:extLst>
+          </p:cNvPr>
+          <p:cNvSpPr txBox="1"/>
+          <p:nvPr/>
+        </p:nvSpPr>
+        <p:spPr>
+          <a:xfrm>
+            <a:off x="812800" y="1840468"/>
+            <a:ext cx="10147300" cy="1477328"/>
+          </a:xfrm>
+          <a:prstGeom prst="rect">
+            <a:avLst/>
+          </a:prstGeom>
+          <a:noFill/>
+        </p:spPr>
+        <p:txBody>
+          <a:bodyPr wrap="square" rtlCol="0">
+            <a:spAutoFit/>
+          </a:bodyPr>
+          <a:lstStyle/>
+          <a:p>
+            <a:r>
+              <a:rPr lang="fr-FR" dirty="0"/>
+              <a:t>j’aurai besoin de préétablir des dates pour les sprint </a:t>
+            </a:r>
+            <a:r>
+              <a:rPr lang="fr-FR" dirty="0" err="1"/>
+              <a:t>review</a:t>
+            </a:r>
+            <a:r>
+              <a:rPr lang="fr-FR" dirty="0"/>
+              <a:t>, quand seriez-vous disponible pour que je m’organise avec les équipes de développement ?</a:t>
+            </a:r>
+          </a:p>
+          <a:p>
+            <a:endParaRPr lang="fr-FR" dirty="0"/>
+          </a:p>
+          <a:p>
+            <a:r>
+              <a:rPr lang="fr-FR" dirty="0"/>
+              <a:t>Ses dates peuvent être amenés a changer si vous avez un empêchement.  </a:t>
+            </a:r>
+          </a:p>
+          <a:p>
+            <a:endParaRPr lang="fr-FR" dirty="0"/>
+          </a:p>
+        </p:txBody>
+      </p:sp>
+    </p:spTree>
+    <p:extLst>
+      <p:ext uri="{BB962C8B-B14F-4D97-AF65-F5344CB8AC3E}">
+        <p14:creationId xmlns:p14="http://schemas.microsoft.com/office/powerpoint/2010/main" val="1538541165"/>
       </p:ext>
     </p:extLst>
   </p:cSld>
@@ -6948,8 +7564,8 @@
         </p:nvSpPr>
         <p:spPr>
           <a:xfrm>
-            <a:off x="1809548" y="1937406"/>
-            <a:ext cx="2656573" cy="369332"/>
+            <a:off x="1153161" y="2413337"/>
+            <a:ext cx="10242752" cy="2308324"/>
           </a:xfrm>
           <a:prstGeom prst="rect">
             <a:avLst/>
@@ -6964,603 +7580,50 @@
           <a:p>
             <a:r>
               <a:rPr lang="fr-FR" dirty="0"/>
-              <a:t>Résumé du projet</a:t>
-            </a:r>
-          </a:p>
-        </p:txBody>
-      </p:sp>
-      <p:sp>
-        <p:nvSpPr>
-          <p:cNvPr id="11" name="ZoneTexte 10">
-            <a:extLst>
-              <a:ext uri="{FF2B5EF4-FFF2-40B4-BE49-F238E27FC236}">
-                <a16:creationId xmlns:a16="http://schemas.microsoft.com/office/drawing/2014/main" id="{979F10AB-1BCF-2070-E3C2-E7D8507DAA8C}"/>
-              </a:ext>
-            </a:extLst>
-          </p:cNvPr>
-          <p:cNvSpPr txBox="1"/>
-          <p:nvPr/>
-        </p:nvSpPr>
-        <p:spPr>
-          <a:xfrm>
-            <a:off x="4655314" y="1937406"/>
-            <a:ext cx="2881371" cy="369332"/>
-          </a:xfrm>
-          <a:prstGeom prst="rect">
-            <a:avLst/>
-          </a:prstGeom>
-          <a:noFill/>
-        </p:spPr>
-        <p:txBody>
-          <a:bodyPr wrap="square" rtlCol="0">
-            <a:spAutoFit/>
-          </a:bodyPr>
-          <a:lstStyle/>
+              <a:t>Tout d’abord, nous allons faire un résumé du projet </a:t>
+            </a:r>
+          </a:p>
+          <a:p>
+            <a:endParaRPr lang="fr-FR" dirty="0"/>
+          </a:p>
           <a:p>
             <a:r>
               <a:rPr lang="fr-FR" dirty="0"/>
-              <a:t>Présentation technique</a:t>
-            </a:r>
-          </a:p>
-        </p:txBody>
-      </p:sp>
-      <p:sp>
-        <p:nvSpPr>
-          <p:cNvPr id="12" name="ZoneTexte 11">
-            <a:extLst>
-              <a:ext uri="{FF2B5EF4-FFF2-40B4-BE49-F238E27FC236}">
-                <a16:creationId xmlns:a16="http://schemas.microsoft.com/office/drawing/2014/main" id="{81423891-9022-C9A8-0C24-2C379E21D333}"/>
-              </a:ext>
-            </a:extLst>
-          </p:cNvPr>
-          <p:cNvSpPr txBox="1"/>
-          <p:nvPr/>
-        </p:nvSpPr>
-        <p:spPr>
-          <a:xfrm>
-            <a:off x="4655314" y="2623608"/>
-            <a:ext cx="2656573" cy="3693319"/>
-          </a:xfrm>
-          <a:prstGeom prst="rect">
-            <a:avLst/>
-          </a:prstGeom>
-          <a:noFill/>
-        </p:spPr>
-        <p:txBody>
-          <a:bodyPr wrap="square" rtlCol="0">
-            <a:spAutoFit/>
-          </a:bodyPr>
-          <a:lstStyle/>
-          <a:p>
-            <a:pPr marL="285750" indent="-285750">
-              <a:buFont typeface="Arial" panose="020B0604020202020204" pitchFamily="34" charset="0"/>
-              <a:buChar char="•"/>
-            </a:pPr>
-            <a:r>
-              <a:rPr lang="fr-FR" dirty="0">
-                <a:solidFill>
-                  <a:schemeClr val="bg1"/>
-                </a:solidFill>
-                <a:hlinkClick r:id="rId2" action="ppaction://hlinksldjump">
-                  <a:extLst>
-                    <a:ext uri="{A12FA001-AC4F-418D-AE19-62706E023703}">
-                      <ahyp:hlinkClr xmlns:ahyp="http://schemas.microsoft.com/office/drawing/2018/hyperlinkcolor" val="tx"/>
-                    </a:ext>
-                  </a:extLst>
-                </a:hlinkClick>
-              </a:rPr>
-              <a:t>La page d’accueil</a:t>
-            </a:r>
-            <a:endParaRPr lang="fr-FR" dirty="0">
-              <a:solidFill>
-                <a:schemeClr val="bg1"/>
-              </a:solidFill>
-            </a:endParaRPr>
-          </a:p>
-          <a:p>
-            <a:pPr marL="285750" indent="-285750">
-              <a:buFont typeface="Arial" panose="020B0604020202020204" pitchFamily="34" charset="0"/>
-              <a:buChar char="•"/>
-            </a:pPr>
-            <a:r>
-              <a:rPr lang="fr-FR" dirty="0">
-                <a:solidFill>
-                  <a:schemeClr val="bg1"/>
-                </a:solidFill>
-                <a:hlinkClick r:id="rId3" action="ppaction://hlinksldjump">
-                  <a:extLst>
-                    <a:ext uri="{A12FA001-AC4F-418D-AE19-62706E023703}">
-                      <ahyp:hlinkClr xmlns:ahyp="http://schemas.microsoft.com/office/drawing/2018/hyperlinkcolor" val="tx"/>
-                    </a:ext>
-                  </a:extLst>
-                </a:hlinkClick>
-              </a:rPr>
-              <a:t>Le serveur Backend</a:t>
-            </a:r>
-            <a:endParaRPr lang="fr-FR" dirty="0">
-              <a:solidFill>
-                <a:schemeClr val="bg1"/>
-              </a:solidFill>
-            </a:endParaRPr>
-          </a:p>
-          <a:p>
-            <a:pPr marL="285750" indent="-285750">
-              <a:buFont typeface="Arial" panose="020B0604020202020204" pitchFamily="34" charset="0"/>
-              <a:buChar char="•"/>
-            </a:pPr>
-            <a:r>
-              <a:rPr lang="fr-FR" dirty="0">
-                <a:solidFill>
-                  <a:schemeClr val="bg1"/>
-                </a:solidFill>
-                <a:hlinkClick r:id="rId4" action="ppaction://hlinksldjump">
-                  <a:extLst>
-                    <a:ext uri="{A12FA001-AC4F-418D-AE19-62706E023703}">
-                      <ahyp:hlinkClr xmlns:ahyp="http://schemas.microsoft.com/office/drawing/2018/hyperlinkcolor" val="tx"/>
-                    </a:ext>
-                  </a:extLst>
-                </a:hlinkClick>
-              </a:rPr>
-              <a:t>La modale login</a:t>
-            </a:r>
-            <a:endParaRPr lang="fr-FR" dirty="0">
-              <a:solidFill>
-                <a:schemeClr val="bg1"/>
-              </a:solidFill>
-            </a:endParaRPr>
-          </a:p>
-          <a:p>
-            <a:pPr marL="285750" indent="-285750">
-              <a:buFont typeface="Arial" panose="020B0604020202020204" pitchFamily="34" charset="0"/>
-              <a:buChar char="•"/>
-            </a:pPr>
-            <a:r>
-              <a:rPr lang="fr-FR" dirty="0">
-                <a:solidFill>
-                  <a:schemeClr val="bg1"/>
-                </a:solidFill>
-                <a:hlinkClick r:id="rId5" action="ppaction://hlinksldjump">
-                  <a:extLst>
-                    <a:ext uri="{A12FA001-AC4F-418D-AE19-62706E023703}">
-                      <ahyp:hlinkClr xmlns:ahyp="http://schemas.microsoft.com/office/drawing/2018/hyperlinkcolor" val="tx"/>
-                    </a:ext>
-                  </a:extLst>
-                </a:hlinkClick>
-              </a:rPr>
-              <a:t>La création du menu</a:t>
-            </a:r>
-            <a:endParaRPr lang="fr-FR" dirty="0">
-              <a:solidFill>
-                <a:schemeClr val="bg1"/>
-              </a:solidFill>
-            </a:endParaRPr>
-          </a:p>
-          <a:p>
-            <a:pPr marL="285750" indent="-285750">
-              <a:buFont typeface="Arial" panose="020B0604020202020204" pitchFamily="34" charset="0"/>
-              <a:buChar char="•"/>
-            </a:pPr>
-            <a:r>
-              <a:rPr lang="fr-FR" dirty="0">
-                <a:solidFill>
-                  <a:schemeClr val="bg1"/>
-                </a:solidFill>
-                <a:hlinkClick r:id="rId6" action="ppaction://hlinksldjump">
-                  <a:extLst>
-                    <a:ext uri="{A12FA001-AC4F-418D-AE19-62706E023703}">
-                      <ahyp:hlinkClr xmlns:ahyp="http://schemas.microsoft.com/office/drawing/2018/hyperlinkcolor" val="tx"/>
-                    </a:ext>
-                  </a:extLst>
-                </a:hlinkClick>
-              </a:rPr>
-              <a:t>Poster sur Instagram et Deliveroo</a:t>
-            </a:r>
-            <a:endParaRPr lang="fr-FR" dirty="0">
-              <a:solidFill>
-                <a:schemeClr val="bg1"/>
-              </a:solidFill>
-            </a:endParaRPr>
-          </a:p>
-          <a:p>
-            <a:pPr marL="285750" indent="-285750">
-              <a:buFont typeface="Arial" panose="020B0604020202020204" pitchFamily="34" charset="0"/>
-              <a:buChar char="•"/>
-            </a:pPr>
-            <a:r>
-              <a:rPr lang="fr-FR" dirty="0">
-                <a:solidFill>
-                  <a:schemeClr val="bg1"/>
-                </a:solidFill>
-                <a:hlinkClick r:id="rId7" action="ppaction://hlinksldjump">
-                  <a:extLst>
-                    <a:ext uri="{A12FA001-AC4F-418D-AE19-62706E023703}">
-                      <ahyp:hlinkClr xmlns:ahyp="http://schemas.microsoft.com/office/drawing/2018/hyperlinkcolor" val="tx"/>
-                    </a:ext>
-                  </a:extLst>
-                </a:hlinkClick>
-              </a:rPr>
-              <a:t>Ajouter un logo a son menu</a:t>
-            </a:r>
-            <a:endParaRPr lang="fr-FR" dirty="0">
-              <a:solidFill>
-                <a:schemeClr val="bg1"/>
-              </a:solidFill>
-            </a:endParaRPr>
-          </a:p>
-          <a:p>
-            <a:pPr marL="285750" indent="-285750">
-              <a:buFont typeface="Arial" panose="020B0604020202020204" pitchFamily="34" charset="0"/>
-              <a:buChar char="•"/>
-            </a:pPr>
-            <a:endParaRPr lang="fr-FR" dirty="0">
-              <a:solidFill>
-                <a:schemeClr val="bg1"/>
-              </a:solidFill>
-            </a:endParaRPr>
-          </a:p>
-          <a:p>
-            <a:pPr marL="285750" indent="-285750">
-              <a:buFont typeface="Arial" panose="020B0604020202020204" pitchFamily="34" charset="0"/>
-              <a:buChar char="•"/>
-            </a:pPr>
-            <a:endParaRPr lang="fr-FR" dirty="0">
-              <a:solidFill>
-                <a:schemeClr val="bg1"/>
-              </a:solidFill>
-            </a:endParaRPr>
-          </a:p>
-          <a:p>
-            <a:pPr marL="285750" indent="-285750">
-              <a:buFont typeface="Arial" panose="020B0604020202020204" pitchFamily="34" charset="0"/>
-              <a:buChar char="•"/>
-            </a:pPr>
-            <a:endParaRPr lang="fr-FR" dirty="0">
-              <a:solidFill>
-                <a:schemeClr val="bg1"/>
-              </a:solidFill>
-            </a:endParaRPr>
-          </a:p>
-        </p:txBody>
-      </p:sp>
-      <p:sp>
-        <p:nvSpPr>
-          <p:cNvPr id="13" name="ZoneTexte 12">
-            <a:extLst>
-              <a:ext uri="{FF2B5EF4-FFF2-40B4-BE49-F238E27FC236}">
-                <a16:creationId xmlns:a16="http://schemas.microsoft.com/office/drawing/2014/main" id="{EEE93889-654F-A11A-E5DD-7211BCD14405}"/>
-              </a:ext>
-            </a:extLst>
-          </p:cNvPr>
-          <p:cNvSpPr txBox="1"/>
-          <p:nvPr/>
-        </p:nvSpPr>
-        <p:spPr>
-          <a:xfrm>
-            <a:off x="1636293" y="2623608"/>
-            <a:ext cx="2656573" cy="1477328"/>
-          </a:xfrm>
-          <a:prstGeom prst="rect">
-            <a:avLst/>
-          </a:prstGeom>
-          <a:noFill/>
-        </p:spPr>
-        <p:txBody>
-          <a:bodyPr wrap="square" rtlCol="0">
-            <a:spAutoFit/>
-          </a:bodyPr>
-          <a:lstStyle/>
-          <a:p>
-            <a:pPr marL="285750" indent="-285750">
-              <a:buFont typeface="Arial" panose="020B0604020202020204" pitchFamily="34" charset="0"/>
-              <a:buChar char="•"/>
-            </a:pPr>
-            <a:r>
-              <a:rPr lang="fr-FR" dirty="0">
-                <a:solidFill>
-                  <a:schemeClr val="bg1"/>
-                </a:solidFill>
-                <a:hlinkClick r:id="rId8" action="ppaction://hlinksldjump">
-                  <a:extLst>
-                    <a:ext uri="{A12FA001-AC4F-418D-AE19-62706E023703}">
-                      <ahyp:hlinkClr xmlns:ahyp="http://schemas.microsoft.com/office/drawing/2018/hyperlinkcolor" val="tx"/>
-                    </a:ext>
-                  </a:extLst>
-                </a:hlinkClick>
-              </a:rPr>
-              <a:t>Présentation fonctionnement</a:t>
-            </a:r>
-            <a:endParaRPr lang="fr-FR" dirty="0">
-              <a:solidFill>
-                <a:schemeClr val="bg1"/>
-              </a:solidFill>
-            </a:endParaRPr>
-          </a:p>
-          <a:p>
-            <a:pPr marL="285750" indent="-285750">
-              <a:buFont typeface="Arial" panose="020B0604020202020204" pitchFamily="34" charset="0"/>
-              <a:buChar char="•"/>
-            </a:pPr>
-            <a:r>
-              <a:rPr lang="fr-FR" dirty="0">
-                <a:solidFill>
-                  <a:schemeClr val="bg1"/>
-                </a:solidFill>
-                <a:hlinkClick r:id="rId9" action="ppaction://hlinksldjump">
-                  <a:extLst>
-                    <a:ext uri="{A12FA001-AC4F-418D-AE19-62706E023703}">
-                      <ahyp:hlinkClr xmlns:ahyp="http://schemas.microsoft.com/office/drawing/2018/hyperlinkcolor" val="tx"/>
-                    </a:ext>
-                  </a:extLst>
-                </a:hlinkClick>
-              </a:rPr>
-              <a:t>Exemple fonctionnement</a:t>
-            </a:r>
-            <a:endParaRPr lang="fr-FR" dirty="0">
-              <a:solidFill>
-                <a:schemeClr val="bg1"/>
-              </a:solidFill>
-            </a:endParaRPr>
-          </a:p>
-          <a:p>
-            <a:pPr marL="285750" indent="-285750">
-              <a:buFont typeface="Arial" panose="020B0604020202020204" pitchFamily="34" charset="0"/>
-              <a:buChar char="•"/>
-            </a:pPr>
-            <a:endParaRPr lang="fr-FR" dirty="0">
-              <a:solidFill>
-                <a:schemeClr val="bg1"/>
-              </a:solidFill>
-            </a:endParaRPr>
-          </a:p>
-        </p:txBody>
-      </p:sp>
-      <p:sp>
-        <p:nvSpPr>
-          <p:cNvPr id="14" name="ZoneTexte 13">
-            <a:extLst>
-              <a:ext uri="{FF2B5EF4-FFF2-40B4-BE49-F238E27FC236}">
-                <a16:creationId xmlns:a16="http://schemas.microsoft.com/office/drawing/2014/main" id="{F68E1569-F90A-D053-B7FF-6A0C2A1101DF}"/>
-              </a:ext>
-            </a:extLst>
-          </p:cNvPr>
-          <p:cNvSpPr txBox="1"/>
-          <p:nvPr/>
-        </p:nvSpPr>
-        <p:spPr>
-          <a:xfrm>
-            <a:off x="8303394" y="1937406"/>
-            <a:ext cx="2881371" cy="369332"/>
-          </a:xfrm>
-          <a:prstGeom prst="rect">
-            <a:avLst/>
-          </a:prstGeom>
-          <a:noFill/>
-        </p:spPr>
-        <p:txBody>
-          <a:bodyPr wrap="square" rtlCol="0">
-            <a:spAutoFit/>
-          </a:bodyPr>
-          <a:lstStyle/>
+              <a:t>Ensuite nous regarderons les spécifications techniques choisies pour y arriver </a:t>
+            </a:r>
+          </a:p>
+          <a:p>
+            <a:endParaRPr lang="fr-FR" dirty="0"/>
+          </a:p>
           <a:p>
             <a:r>
               <a:rPr lang="fr-FR" dirty="0"/>
-              <a:t>Réunion </a:t>
-            </a:r>
-          </a:p>
-        </p:txBody>
-      </p:sp>
-      <p:sp>
-        <p:nvSpPr>
-          <p:cNvPr id="15" name="ZoneTexte 14">
-            <a:extLst>
-              <a:ext uri="{FF2B5EF4-FFF2-40B4-BE49-F238E27FC236}">
-                <a16:creationId xmlns:a16="http://schemas.microsoft.com/office/drawing/2014/main" id="{9B62B9C0-288E-16EE-55AA-5FF456B3A23B}"/>
-              </a:ext>
-            </a:extLst>
-          </p:cNvPr>
-          <p:cNvSpPr txBox="1"/>
-          <p:nvPr/>
-        </p:nvSpPr>
-        <p:spPr>
-          <a:xfrm>
-            <a:off x="7674335" y="2623608"/>
-            <a:ext cx="2656573" cy="2031325"/>
-          </a:xfrm>
-          <a:prstGeom prst="rect">
-            <a:avLst/>
-          </a:prstGeom>
-          <a:noFill/>
-        </p:spPr>
-        <p:txBody>
-          <a:bodyPr wrap="square" rtlCol="0">
-            <a:spAutoFit/>
-          </a:bodyPr>
-          <a:lstStyle/>
-          <a:p>
-            <a:pPr marL="285750" indent="-285750">
-              <a:buFont typeface="Arial" panose="020B0604020202020204" pitchFamily="34" charset="0"/>
-              <a:buChar char="•"/>
-            </a:pPr>
-            <a:r>
-              <a:rPr lang="fr-FR" dirty="0">
-                <a:solidFill>
-                  <a:schemeClr val="bg1"/>
-                </a:solidFill>
-                <a:hlinkClick r:id="rId10" action="ppaction://hlinksldjump">
-                  <a:extLst>
-                    <a:ext uri="{A12FA001-AC4F-418D-AE19-62706E023703}">
-                      <ahyp:hlinkClr xmlns:ahyp="http://schemas.microsoft.com/office/drawing/2018/hyperlinkcolor" val="tx"/>
-                    </a:ext>
-                  </a:extLst>
-                </a:hlinkClick>
-              </a:rPr>
-              <a:t>Réunion du 1</a:t>
-            </a:r>
-            <a:r>
-              <a:rPr lang="fr-FR" baseline="30000" dirty="0">
-                <a:solidFill>
-                  <a:schemeClr val="bg1"/>
-                </a:solidFill>
-                <a:hlinkClick r:id="rId10" action="ppaction://hlinksldjump">
-                  <a:extLst>
-                    <a:ext uri="{A12FA001-AC4F-418D-AE19-62706E023703}">
-                      <ahyp:hlinkClr xmlns:ahyp="http://schemas.microsoft.com/office/drawing/2018/hyperlinkcolor" val="tx"/>
-                    </a:ext>
-                  </a:extLst>
-                </a:hlinkClick>
-              </a:rPr>
-              <a:t>er</a:t>
-            </a:r>
-            <a:r>
-              <a:rPr lang="fr-FR" dirty="0">
-                <a:solidFill>
-                  <a:schemeClr val="bg1"/>
-                </a:solidFill>
-                <a:hlinkClick r:id="rId10" action="ppaction://hlinksldjump">
-                  <a:extLst>
-                    <a:ext uri="{A12FA001-AC4F-418D-AE19-62706E023703}">
-                      <ahyp:hlinkClr xmlns:ahyp="http://schemas.microsoft.com/office/drawing/2018/hyperlinkcolor" val="tx"/>
-                    </a:ext>
-                  </a:extLst>
-                </a:hlinkClick>
-              </a:rPr>
-              <a:t> sprint</a:t>
-            </a:r>
-            <a:endParaRPr lang="fr-FR" dirty="0">
-              <a:solidFill>
-                <a:schemeClr val="bg1"/>
-              </a:solidFill>
-            </a:endParaRPr>
-          </a:p>
-          <a:p>
-            <a:pPr marL="285750" indent="-285750">
-              <a:buFont typeface="Arial" panose="020B0604020202020204" pitchFamily="34" charset="0"/>
-              <a:buChar char="•"/>
-            </a:pPr>
-            <a:r>
-              <a:rPr lang="fr-FR" dirty="0">
-                <a:solidFill>
-                  <a:schemeClr val="bg1"/>
-                </a:solidFill>
-                <a:hlinkClick r:id="rId11" action="ppaction://hlinksldjump">
-                  <a:extLst>
-                    <a:ext uri="{A12FA001-AC4F-418D-AE19-62706E023703}">
-                      <ahyp:hlinkClr xmlns:ahyp="http://schemas.microsoft.com/office/drawing/2018/hyperlinkcolor" val="tx"/>
-                    </a:ext>
-                  </a:extLst>
-                </a:hlinkClick>
-              </a:rPr>
-              <a:t>Réunion du 2</a:t>
-            </a:r>
-            <a:r>
-              <a:rPr lang="fr-FR" baseline="30000" dirty="0">
-                <a:solidFill>
-                  <a:schemeClr val="bg1"/>
-                </a:solidFill>
-                <a:hlinkClick r:id="rId11" action="ppaction://hlinksldjump">
-                  <a:extLst>
-                    <a:ext uri="{A12FA001-AC4F-418D-AE19-62706E023703}">
-                      <ahyp:hlinkClr xmlns:ahyp="http://schemas.microsoft.com/office/drawing/2018/hyperlinkcolor" val="tx"/>
-                    </a:ext>
-                  </a:extLst>
-                </a:hlinkClick>
-              </a:rPr>
-              <a:t>e</a:t>
-            </a:r>
-            <a:r>
-              <a:rPr lang="fr-FR" dirty="0">
-                <a:solidFill>
-                  <a:schemeClr val="bg1"/>
-                </a:solidFill>
-                <a:hlinkClick r:id="rId11" action="ppaction://hlinksldjump">
-                  <a:extLst>
-                    <a:ext uri="{A12FA001-AC4F-418D-AE19-62706E023703}">
-                      <ahyp:hlinkClr xmlns:ahyp="http://schemas.microsoft.com/office/drawing/2018/hyperlinkcolor" val="tx"/>
-                    </a:ext>
-                  </a:extLst>
-                </a:hlinkClick>
-              </a:rPr>
-              <a:t> sprint</a:t>
-            </a:r>
-            <a:endParaRPr lang="fr-FR" dirty="0">
-              <a:solidFill>
-                <a:schemeClr val="bg1"/>
-              </a:solidFill>
-            </a:endParaRPr>
-          </a:p>
-          <a:p>
-            <a:pPr marL="285750" indent="-285750">
-              <a:buFont typeface="Arial" panose="020B0604020202020204" pitchFamily="34" charset="0"/>
-              <a:buChar char="•"/>
-            </a:pPr>
-            <a:r>
-              <a:rPr lang="fr-FR" dirty="0">
-                <a:solidFill>
-                  <a:schemeClr val="bg1"/>
-                </a:solidFill>
-                <a:hlinkClick r:id="rId12" action="ppaction://hlinksldjump">
-                  <a:extLst>
-                    <a:ext uri="{A12FA001-AC4F-418D-AE19-62706E023703}">
-                      <ahyp:hlinkClr xmlns:ahyp="http://schemas.microsoft.com/office/drawing/2018/hyperlinkcolor" val="tx"/>
-                    </a:ext>
-                  </a:extLst>
-                </a:hlinkClick>
-              </a:rPr>
-              <a:t>Réunion du 3</a:t>
-            </a:r>
-            <a:r>
-              <a:rPr lang="fr-FR" baseline="30000" dirty="0">
-                <a:solidFill>
-                  <a:schemeClr val="bg1"/>
-                </a:solidFill>
-                <a:hlinkClick r:id="rId12" action="ppaction://hlinksldjump">
-                  <a:extLst>
-                    <a:ext uri="{A12FA001-AC4F-418D-AE19-62706E023703}">
-                      <ahyp:hlinkClr xmlns:ahyp="http://schemas.microsoft.com/office/drawing/2018/hyperlinkcolor" val="tx"/>
-                    </a:ext>
-                  </a:extLst>
-                </a:hlinkClick>
-              </a:rPr>
-              <a:t>e</a:t>
-            </a:r>
-            <a:r>
-              <a:rPr lang="fr-FR" dirty="0">
-                <a:solidFill>
-                  <a:schemeClr val="bg1"/>
-                </a:solidFill>
-                <a:hlinkClick r:id="rId12" action="ppaction://hlinksldjump">
-                  <a:extLst>
-                    <a:ext uri="{A12FA001-AC4F-418D-AE19-62706E023703}">
-                      <ahyp:hlinkClr xmlns:ahyp="http://schemas.microsoft.com/office/drawing/2018/hyperlinkcolor" val="tx"/>
-                    </a:ext>
-                  </a:extLst>
-                </a:hlinkClick>
-              </a:rPr>
-              <a:t> sprint</a:t>
-            </a:r>
-            <a:endParaRPr lang="fr-FR" dirty="0">
-              <a:solidFill>
-                <a:schemeClr val="bg1"/>
-              </a:solidFill>
-            </a:endParaRPr>
-          </a:p>
-          <a:p>
-            <a:pPr marL="285750" indent="-285750">
-              <a:buFont typeface="Arial" panose="020B0604020202020204" pitchFamily="34" charset="0"/>
-              <a:buChar char="•"/>
-            </a:pPr>
-            <a:endParaRPr lang="fr-FR" dirty="0">
-              <a:solidFill>
-                <a:schemeClr val="bg1"/>
-              </a:solidFill>
-            </a:endParaRPr>
+              <a:t>En passant par les étapes de planification</a:t>
+            </a:r>
+          </a:p>
+          <a:p>
+            <a:endParaRPr lang="fr-FR" dirty="0"/>
+          </a:p>
+          <a:p>
+            <a:r>
+              <a:rPr lang="fr-FR" dirty="0"/>
+              <a:t>Et finalement nous organiserons nos agenda respectif pour les sprint </a:t>
+            </a:r>
+            <a:r>
+              <a:rPr lang="fr-FR" dirty="0" err="1"/>
+              <a:t>Review</a:t>
+            </a:r>
+            <a:r>
+              <a:rPr lang="fr-FR" dirty="0"/>
+              <a:t> et leur contenus.</a:t>
+            </a:r>
           </a:p>
         </p:txBody>
       </p:sp>
     </p:spTree>
     <p:extLst>
       <p:ext uri="{BB962C8B-B14F-4D97-AF65-F5344CB8AC3E}">
-        <p14:creationId xmlns:p14="http://schemas.microsoft.com/office/powerpoint/2010/main" val="1121698909"/>
+        <p14:creationId xmlns:p14="http://schemas.microsoft.com/office/powerpoint/2010/main" val="3326301190"/>
       </p:ext>
     </p:extLst>
   </p:cSld>
@@ -7643,7 +7706,13 @@
           <a:lstStyle/>
           <a:p>
             <a:r>
-              <a:rPr lang="fr-FR" dirty="0"/>
+              <a:rPr lang="fr-FR" dirty="0">
+                <a:solidFill>
+                  <a:schemeClr val="accent4">
+                    <a:lumMod val="75000"/>
+                  </a:schemeClr>
+                </a:solidFill>
+              </a:rPr>
               <a:t>Comment est censé fonctionné notre application </a:t>
             </a:r>
           </a:p>
@@ -7708,7 +7777,13 @@
           <a:lstStyle/>
           <a:p>
             <a:r>
-              <a:rPr lang="fr-FR" dirty="0"/>
+              <a:rPr lang="fr-FR" dirty="0">
+                <a:solidFill>
+                  <a:schemeClr val="accent4">
+                    <a:lumMod val="75000"/>
+                  </a:schemeClr>
+                </a:solidFill>
+              </a:rPr>
               <a:t>Une fois connecté, notre utilisateur se retrouve sur cette page d’accueil avec la possibilités de « Créer un menu », ce qui lui permet de créer le menu de son restaurant, ensuite « Diffuser un menu », c’est tout simplement envoyé le menu sur Instagram Deliveroo ou même le récupérer en format PDF et enfin « Imprimer un menu » qui permettra d’envoyé une demande d’impression a Qwenta.</a:t>
             </a:r>
           </a:p>
@@ -7743,7 +7818,13 @@
           <a:lstStyle/>
           <a:p>
             <a:r>
-              <a:rPr lang="fr-FR" sz="2400" dirty="0"/>
+              <a:rPr lang="fr-FR" sz="2400" dirty="0">
+                <a:solidFill>
+                  <a:schemeClr val="accent4">
+                    <a:lumMod val="75000"/>
+                  </a:schemeClr>
+                </a:solidFill>
+              </a:rPr>
               <a:t>Résumé du projet </a:t>
             </a:r>
           </a:p>
@@ -7835,7 +7916,13 @@
           <a:lstStyle/>
           <a:p>
             <a:r>
-              <a:rPr lang="fr-FR" dirty="0"/>
+              <a:rPr lang="fr-FR" dirty="0">
+                <a:solidFill>
+                  <a:schemeClr val="accent4">
+                    <a:lumMod val="75000"/>
+                  </a:schemeClr>
+                </a:solidFill>
+              </a:rPr>
               <a:t>Quelques exemple de fonctionnalités</a:t>
             </a:r>
           </a:p>
@@ -7900,25 +7987,55 @@
           <a:lstStyle/>
           <a:p>
             <a:r>
-              <a:rPr lang="fr-FR" dirty="0"/>
+              <a:rPr lang="fr-FR" dirty="0">
+                <a:solidFill>
+                  <a:schemeClr val="accent4">
+                    <a:lumMod val="75000"/>
+                  </a:schemeClr>
+                </a:solidFill>
+              </a:rPr>
               <a:t>Voici ce a quoi va ressembler notre applications une fois livré.</a:t>
             </a:r>
           </a:p>
           <a:p>
-            <a:endParaRPr lang="fr-FR" dirty="0"/>
-          </a:p>
-          <a:p>
-            <a:r>
-              <a:rPr lang="fr-FR" dirty="0"/>
+            <a:endParaRPr lang="fr-FR" dirty="0">
+              <a:solidFill>
+                <a:schemeClr val="accent4">
+                  <a:lumMod val="75000"/>
+                </a:schemeClr>
+              </a:solidFill>
+            </a:endParaRPr>
+          </a:p>
+          <a:p>
+            <a:r>
+              <a:rPr lang="fr-FR" dirty="0">
+                <a:solidFill>
+                  <a:schemeClr val="accent4">
+                    <a:lumMod val="75000"/>
+                  </a:schemeClr>
+                </a:solidFill>
+              </a:rPr>
               <a:t>L’ensemble du menu est personnalisable, on peut y ajouter des catégories, soit entré, plat, désert ou tout autre terme souhaité par l’utilisateur (ex: boissons, Accompagnement), mais aussi personnalisé la police d’écriture, sa taille </a:t>
             </a:r>
           </a:p>
           <a:p>
-            <a:endParaRPr lang="fr-FR" dirty="0"/>
-          </a:p>
-          <a:p>
-            <a:r>
-              <a:rPr lang="fr-FR" dirty="0"/>
+            <a:endParaRPr lang="fr-FR" dirty="0">
+              <a:solidFill>
+                <a:schemeClr val="accent4">
+                  <a:lumMod val="75000"/>
+                </a:schemeClr>
+              </a:solidFill>
+            </a:endParaRPr>
+          </a:p>
+          <a:p>
+            <a:r>
+              <a:rPr lang="fr-FR" dirty="0">
+                <a:solidFill>
+                  <a:schemeClr val="accent4">
+                    <a:lumMod val="75000"/>
+                  </a:schemeClr>
+                </a:solidFill>
+              </a:rPr>
               <a:t>Vous aurez la possibilités directement depuis l’écran de création de diffuser sur les réseaux ou d’exportez en PDF.</a:t>
             </a:r>
           </a:p>
@@ -7953,7 +8070,13 @@
           <a:lstStyle/>
           <a:p>
             <a:r>
-              <a:rPr lang="fr-FR" sz="2400" dirty="0"/>
+              <a:rPr lang="fr-FR" sz="2400" dirty="0">
+                <a:solidFill>
+                  <a:schemeClr val="accent4">
+                    <a:lumMod val="75000"/>
+                  </a:schemeClr>
+                </a:solidFill>
+              </a:rPr>
               <a:t>Résumé du projet </a:t>
             </a:r>
           </a:p>
@@ -7979,10 +8102,16 @@
       <p:bgPr>
         <a:gradFill flip="none" rotWithShape="1">
           <a:gsLst>
-            <a:gs pos="27000">
+            <a:gs pos="35000">
               <a:srgbClr val="F9DDCB"/>
             </a:gs>
-            <a:gs pos="40000">
+            <a:gs pos="35632">
+              <a:srgbClr val="F9DDCB"/>
+            </a:gs>
+            <a:gs pos="37000">
+              <a:srgbClr val="F9DDCB"/>
+            </a:gs>
+            <a:gs pos="36000">
               <a:srgbClr val="F9DDCB"/>
             </a:gs>
             <a:gs pos="100000">
@@ -8021,7 +8150,7 @@
           <p:cNvPr id="2" name="ZoneTexte 1">
             <a:extLst>
               <a:ext uri="{FF2B5EF4-FFF2-40B4-BE49-F238E27FC236}">
-                <a16:creationId xmlns:a16="http://schemas.microsoft.com/office/drawing/2014/main" id="{D3A4F2CE-1F3A-7BEC-B253-079512C19CBD}"/>
+                <a16:creationId xmlns:a16="http://schemas.microsoft.com/office/drawing/2014/main" id="{6D006E92-E7FB-4405-1CBB-1A695A2B8511}"/>
               </a:ext>
             </a:extLst>
           </p:cNvPr>
@@ -8030,8 +8159,8 @@
         </p:nvSpPr>
         <p:spPr>
           <a:xfrm>
-            <a:off x="636626" y="859190"/>
-            <a:ext cx="6301725" cy="369332"/>
+            <a:off x="1385827" y="232021"/>
+            <a:ext cx="3972562" cy="461665"/>
           </a:xfrm>
           <a:prstGeom prst="rect">
             <a:avLst/>
@@ -8045,8 +8174,120 @@
           <a:lstStyle/>
           <a:p>
             <a:r>
+              <a:rPr lang="fr-FR" sz="2400" dirty="0"/>
+              <a:t>Présentation planification</a:t>
+            </a:r>
+          </a:p>
+        </p:txBody>
+      </p:sp>
+      <p:sp>
+        <p:nvSpPr>
+          <p:cNvPr id="3" name="ZoneTexte 2">
+            <a:extLst>
+              <a:ext uri="{FF2B5EF4-FFF2-40B4-BE49-F238E27FC236}">
+                <a16:creationId xmlns:a16="http://schemas.microsoft.com/office/drawing/2014/main" id="{60C274D1-DFCA-BF68-9847-7EF92499662E}"/>
+              </a:ext>
+            </a:extLst>
+          </p:cNvPr>
+          <p:cNvSpPr txBox="1"/>
+          <p:nvPr/>
+        </p:nvSpPr>
+        <p:spPr>
+          <a:xfrm>
+            <a:off x="6096000" y="474345"/>
+            <a:ext cx="5836735" cy="5909310"/>
+          </a:xfrm>
+          <a:prstGeom prst="rect">
+            <a:avLst/>
+          </a:prstGeom>
+          <a:noFill/>
+        </p:spPr>
+        <p:txBody>
+          <a:bodyPr wrap="square" rtlCol="0">
+            <a:spAutoFit/>
+          </a:bodyPr>
+          <a:lstStyle/>
+          <a:p>
+            <a:r>
               <a:rPr lang="fr-FR" dirty="0"/>
-              <a:t>Première étape nécessaire dans notre projet Frontend </a:t>
+              <a:t>Pour la planification de ce projet nous allons utiliser la méthode agile est plus particulièrement la méthode SCRUM.</a:t>
+            </a:r>
+          </a:p>
+          <a:p>
+            <a:endParaRPr lang="fr-FR" dirty="0"/>
+          </a:p>
+          <a:p>
+            <a:r>
+              <a:rPr lang="fr-FR" dirty="0"/>
+              <a:t>Comme indiqué sur les différentes images, notre projet va être découpés en plusieurs sprint, cette étape s’appelle le Product </a:t>
+            </a:r>
+            <a:r>
+              <a:rPr lang="fr-FR" dirty="0" err="1"/>
+              <a:t>Backlog</a:t>
+            </a:r>
+            <a:r>
+              <a:rPr lang="fr-FR" dirty="0"/>
+              <a:t>.</a:t>
+            </a:r>
+          </a:p>
+          <a:p>
+            <a:endParaRPr lang="fr-FR" dirty="0"/>
+          </a:p>
+          <a:p>
+            <a:r>
+              <a:rPr lang="fr-FR" dirty="0"/>
+              <a:t>A chaque début de sprint nous reverrons la planification de celui-ci pour bien le démarrer.</a:t>
+            </a:r>
+          </a:p>
+          <a:p>
+            <a:endParaRPr lang="fr-FR" dirty="0"/>
+          </a:p>
+          <a:p>
+            <a:r>
+              <a:rPr lang="fr-FR" dirty="0"/>
+              <a:t>Pour avoir les informations de l’avancés du sprint nous utiliserons un kanban pour savoir a tout moment ou le projet se situe sur une échelle de temps.</a:t>
+            </a:r>
+          </a:p>
+          <a:p>
+            <a:endParaRPr lang="fr-FR" dirty="0"/>
+          </a:p>
+          <a:p>
+            <a:r>
+              <a:rPr lang="fr-FR" dirty="0"/>
+              <a:t>A la fin de chaque sprint, nous ferons un sprint </a:t>
+            </a:r>
+            <a:r>
+              <a:rPr lang="fr-FR" dirty="0" err="1"/>
+              <a:t>review</a:t>
+            </a:r>
+            <a:r>
+              <a:rPr lang="fr-FR" dirty="0"/>
+              <a:t>.</a:t>
+            </a:r>
+          </a:p>
+          <a:p>
+            <a:endParaRPr lang="fr-FR" dirty="0"/>
+          </a:p>
+          <a:p>
+            <a:r>
+              <a:rPr lang="fr-FR" dirty="0"/>
+              <a:t>Et finalement à la fin de chaque sprint </a:t>
+            </a:r>
+            <a:r>
+              <a:rPr lang="fr-FR" dirty="0" err="1"/>
+              <a:t>review</a:t>
+            </a:r>
+            <a:r>
+              <a:rPr lang="fr-FR" dirty="0"/>
+              <a:t>, nous effectuerons une rétrospective de la </a:t>
+            </a:r>
+            <a:r>
+              <a:rPr lang="fr-FR" dirty="0" err="1"/>
+              <a:t>review</a:t>
+            </a:r>
+            <a:r>
+              <a:rPr lang="fr-FR" dirty="0"/>
+              <a:t> </a:t>
             </a:r>
           </a:p>
         </p:txBody>
@@ -8056,7 +8297,7 @@
           <p:cNvPr id="5" name="Image 4">
             <a:extLst>
               <a:ext uri="{FF2B5EF4-FFF2-40B4-BE49-F238E27FC236}">
-                <a16:creationId xmlns:a16="http://schemas.microsoft.com/office/drawing/2014/main" id="{DD72C0A4-F842-98FF-1CE5-096AF8F1FD0D}"/>
+                <a16:creationId xmlns:a16="http://schemas.microsoft.com/office/drawing/2014/main" id="{7C5E63CE-2432-FF8B-807C-EB3FD799C810}"/>
               </a:ext>
             </a:extLst>
           </p:cNvPr>
@@ -8065,28 +8306,56 @@
           </p:cNvPicPr>
           <p:nvPr/>
         </p:nvPicPr>
-        <p:blipFill>
+        <p:blipFill rotWithShape="1">
           <a:blip r:embed="rId2"/>
-          <a:stretch>
-            <a:fillRect/>
-          </a:stretch>
+          <a:srcRect r="24158"/>
+          <a:stretch/>
         </p:blipFill>
         <p:spPr>
           <a:xfrm>
-            <a:off x="1580846" y="1228522"/>
-            <a:ext cx="3347290" cy="4946085"/>
+            <a:off x="996379" y="1258382"/>
+            <a:ext cx="4751458" cy="2090545"/>
           </a:xfrm>
           <a:prstGeom prst="rect">
             <a:avLst/>
           </a:prstGeom>
         </p:spPr>
       </p:pic>
-      <p:sp>
-        <p:nvSpPr>
-          <p:cNvPr id="6" name="ZoneTexte 5">
+      <p:pic>
+        <p:nvPicPr>
+          <p:cNvPr id="7" name="Image 6">
             <a:extLst>
               <a:ext uri="{FF2B5EF4-FFF2-40B4-BE49-F238E27FC236}">
-                <a16:creationId xmlns:a16="http://schemas.microsoft.com/office/drawing/2014/main" id="{370C73C6-2F96-D226-2E2D-F3238AA21324}"/>
+                <a16:creationId xmlns:a16="http://schemas.microsoft.com/office/drawing/2014/main" id="{294638B6-12F2-A4E5-600E-89321EFFA529}"/>
+              </a:ext>
+            </a:extLst>
+          </p:cNvPr>
+          <p:cNvPicPr>
+            <a:picLocks noChangeAspect="1"/>
+          </p:cNvPicPr>
+          <p:nvPr/>
+        </p:nvPicPr>
+        <p:blipFill rotWithShape="1">
+          <a:blip r:embed="rId3"/>
+          <a:srcRect t="7319" b="18218"/>
+          <a:stretch/>
+        </p:blipFill>
+        <p:spPr>
+          <a:xfrm>
+            <a:off x="996379" y="3509074"/>
+            <a:ext cx="4751458" cy="2324100"/>
+          </a:xfrm>
+          <a:prstGeom prst="rect">
+            <a:avLst/>
+          </a:prstGeom>
+        </p:spPr>
+      </p:pic>
+      <p:sp>
+        <p:nvSpPr>
+          <p:cNvPr id="8" name="ZoneTexte 7">
+            <a:extLst>
+              <a:ext uri="{FF2B5EF4-FFF2-40B4-BE49-F238E27FC236}">
+                <a16:creationId xmlns:a16="http://schemas.microsoft.com/office/drawing/2014/main" id="{29BAFF3B-FF3A-8DE8-3A1F-76D03CD605E1}"/>
               </a:ext>
             </a:extLst>
           </p:cNvPr>
@@ -8095,8 +8364,8 @@
         </p:nvSpPr>
         <p:spPr>
           <a:xfrm>
-            <a:off x="6198670" y="1414912"/>
-            <a:ext cx="5149516" cy="3970318"/>
+            <a:off x="1385827" y="6014323"/>
+            <a:ext cx="2907805" cy="369332"/>
           </a:xfrm>
           <a:prstGeom prst="rect">
             <a:avLst/>
@@ -8110,69 +8379,40 @@
           <a:lstStyle/>
           <a:p>
             <a:r>
-              <a:rPr lang="fr-FR" dirty="0"/>
-              <a:t>Nous allons démarrer par créer une version statique, ce qui nous permettra d’avoir un site web avec tout le visuel, mais aucune fonctionnalités ne fonctionnera.</a:t>
-            </a:r>
-          </a:p>
-          <a:p>
-            <a:endParaRPr lang="fr-FR" dirty="0"/>
-          </a:p>
-          <a:p>
-            <a:r>
-              <a:rPr lang="fr-FR" dirty="0"/>
-              <a:t>C’est comme un maçon qui commence par créer les fondations.</a:t>
-            </a:r>
-          </a:p>
-          <a:p>
-            <a:endParaRPr lang="fr-FR" dirty="0"/>
-          </a:p>
-          <a:p>
-            <a:r>
-              <a:rPr lang="fr-FR" dirty="0"/>
-              <a:t>Cette première étape est prise en charge par notre Dev Frontend, pendant ce temps notre Dev Backend prépare tout les outils nécessaire pour notre applications et configure tout le nécessaire pour se connecter au site.</a:t>
-            </a:r>
-          </a:p>
-        </p:txBody>
-      </p:sp>
-      <p:sp>
-        <p:nvSpPr>
-          <p:cNvPr id="7" name="ZoneTexte 6">
-            <a:extLst>
-              <a:ext uri="{FF2B5EF4-FFF2-40B4-BE49-F238E27FC236}">
-                <a16:creationId xmlns:a16="http://schemas.microsoft.com/office/drawing/2014/main" id="{398B70D2-37D9-F6CA-401C-386D1E1ACA82}"/>
-              </a:ext>
-            </a:extLst>
-          </p:cNvPr>
-          <p:cNvSpPr txBox="1"/>
-          <p:nvPr/>
-        </p:nvSpPr>
-        <p:spPr>
-          <a:xfrm>
-            <a:off x="4750998" y="221728"/>
-            <a:ext cx="3659976" cy="461665"/>
-          </a:xfrm>
-          <a:prstGeom prst="rect">
-            <a:avLst/>
-          </a:prstGeom>
-          <a:noFill/>
-        </p:spPr>
-        <p:txBody>
-          <a:bodyPr wrap="none" rtlCol="0">
-            <a:spAutoFit/>
-          </a:bodyPr>
-          <a:lstStyle/>
-          <a:p>
-            <a:r>
-              <a:rPr lang="fr-FR" sz="2400" dirty="0"/>
-              <a:t>Présentation technique</a:t>
-            </a:r>
+              <a:rPr lang="fr-FR" dirty="0">
+                <a:solidFill>
+                  <a:schemeClr val="bg1"/>
+                </a:solidFill>
+              </a:rPr>
+              <a:t>Lien vers le kanban : </a:t>
+            </a:r>
+            <a:r>
+              <a:rPr lang="fr-FR" dirty="0">
+                <a:solidFill>
+                  <a:schemeClr val="bg1"/>
+                </a:solidFill>
+                <a:hlinkClick r:id="rId4">
+                  <a:extLst>
+                    <a:ext uri="{A12FA001-AC4F-418D-AE19-62706E023703}">
+                      <ahyp:hlinkClr xmlns:ahyp="http://schemas.microsoft.com/office/drawing/2018/hyperlinkcolor" val="tx"/>
+                    </a:ext>
+                  </a:extLst>
+                </a:hlinkClick>
+              </a:rPr>
+              <a:t>ICI</a:t>
+            </a:r>
+            <a:endParaRPr lang="fr-FR" dirty="0">
+              <a:solidFill>
+                <a:schemeClr val="bg1"/>
+              </a:solidFill>
+            </a:endParaRPr>
           </a:p>
         </p:txBody>
       </p:sp>
     </p:spTree>
     <p:extLst>
       <p:ext uri="{BB962C8B-B14F-4D97-AF65-F5344CB8AC3E}">
-        <p14:creationId xmlns:p14="http://schemas.microsoft.com/office/powerpoint/2010/main" val="3965556838"/>
+        <p14:creationId xmlns:p14="http://schemas.microsoft.com/office/powerpoint/2010/main" val="1208898382"/>
       </p:ext>
     </p:extLst>
   </p:cSld>
@@ -8311,7 +8551,7 @@
         <p:spPr>
           <a:xfrm>
             <a:off x="6198670" y="1414912"/>
-            <a:ext cx="5149516" cy="4247317"/>
+            <a:ext cx="5149516" cy="3970318"/>
           </a:xfrm>
           <a:prstGeom prst="rect">
             <a:avLst/>
@@ -8326,7 +8566,7 @@
           <a:p>
             <a:r>
               <a:rPr lang="fr-FR" dirty="0"/>
-              <a:t>Comme expliqué précédemment, notre Dev Backend va créer tout les outils nécessaire au bon fonctionnement de notre applications, pour se faire notre utilisateur doit être capable de se connecter, de récupérer l’entièreté de ses menus sur son compte, il doit aussi être capable de sauvegarder son logo et traiter toute les demandes faites du site.</a:t>
+              <a:t>notre Dev Backend va créer tout les outils nécessaire au bon fonctionnement de notre applications, pour se faire notre utilisateur doit être capable de se connecter, de récupérer l’entièreté de ses menus sur son compte, il doit aussi être capable de sauvegarder son logo et traiter toute les demandes faites du site.</a:t>
             </a:r>
           </a:p>
           <a:p>
@@ -8390,6 +8630,216 @@
 </file>
 
 <file path=ppt/slides/slide7.xml><?xml version="1.0" encoding="utf-8"?>
+<p:sld xmlns:a="http://schemas.openxmlformats.org/drawingml/2006/main" xmlns:r="http://schemas.openxmlformats.org/officeDocument/2006/relationships" xmlns:p="http://schemas.openxmlformats.org/presentationml/2006/main">
+  <p:cSld>
+    <p:bg>
+      <p:bgPr>
+        <a:gradFill flip="none" rotWithShape="1">
+          <a:gsLst>
+            <a:gs pos="27000">
+              <a:srgbClr val="F9DDCB"/>
+            </a:gs>
+            <a:gs pos="40000">
+              <a:srgbClr val="F9DDCB"/>
+            </a:gs>
+            <a:gs pos="100000">
+              <a:schemeClr val="bg2">
+                <a:shade val="96000"/>
+                <a:hueMod val="88000"/>
+                <a:satMod val="220000"/>
+                <a:lumMod val="82000"/>
+              </a:schemeClr>
+            </a:gs>
+          </a:gsLst>
+          <a:path path="circle">
+            <a:fillToRect t="100000" r="100000"/>
+          </a:path>
+          <a:tileRect l="-100000" b="-100000"/>
+        </a:gradFill>
+        <a:effectLst/>
+      </p:bgPr>
+    </p:bg>
+    <p:spTree>
+      <p:nvGrpSpPr>
+        <p:cNvPr id="1" name=""/>
+        <p:cNvGrpSpPr/>
+        <p:nvPr/>
+      </p:nvGrpSpPr>
+      <p:grpSpPr>
+        <a:xfrm>
+          <a:off x="0" y="0"/>
+          <a:ext cx="0" cy="0"/>
+          <a:chOff x="0" y="0"/>
+          <a:chExt cx="0" cy="0"/>
+        </a:xfrm>
+      </p:grpSpPr>
+      <p:sp>
+        <p:nvSpPr>
+          <p:cNvPr id="2" name="ZoneTexte 1">
+            <a:extLst>
+              <a:ext uri="{FF2B5EF4-FFF2-40B4-BE49-F238E27FC236}">
+                <a16:creationId xmlns:a16="http://schemas.microsoft.com/office/drawing/2014/main" id="{D3A4F2CE-1F3A-7BEC-B253-079512C19CBD}"/>
+              </a:ext>
+            </a:extLst>
+          </p:cNvPr>
+          <p:cNvSpPr txBox="1"/>
+          <p:nvPr/>
+        </p:nvSpPr>
+        <p:spPr>
+          <a:xfrm>
+            <a:off x="636626" y="859190"/>
+            <a:ext cx="6301725" cy="369332"/>
+          </a:xfrm>
+          <a:prstGeom prst="rect">
+            <a:avLst/>
+          </a:prstGeom>
+          <a:noFill/>
+        </p:spPr>
+        <p:txBody>
+          <a:bodyPr wrap="none" rtlCol="0">
+            <a:spAutoFit/>
+          </a:bodyPr>
+          <a:lstStyle/>
+          <a:p>
+            <a:r>
+              <a:rPr lang="fr-FR" dirty="0"/>
+              <a:t>Première étape nécessaire dans notre projet Frontend </a:t>
+            </a:r>
+          </a:p>
+        </p:txBody>
+      </p:sp>
+      <p:pic>
+        <p:nvPicPr>
+          <p:cNvPr id="5" name="Image 4">
+            <a:extLst>
+              <a:ext uri="{FF2B5EF4-FFF2-40B4-BE49-F238E27FC236}">
+                <a16:creationId xmlns:a16="http://schemas.microsoft.com/office/drawing/2014/main" id="{DD72C0A4-F842-98FF-1CE5-096AF8F1FD0D}"/>
+              </a:ext>
+            </a:extLst>
+          </p:cNvPr>
+          <p:cNvPicPr>
+            <a:picLocks noChangeAspect="1"/>
+          </p:cNvPicPr>
+          <p:nvPr/>
+        </p:nvPicPr>
+        <p:blipFill>
+          <a:blip r:embed="rId2"/>
+          <a:stretch>
+            <a:fillRect/>
+          </a:stretch>
+        </p:blipFill>
+        <p:spPr>
+          <a:xfrm>
+            <a:off x="1580846" y="1228522"/>
+            <a:ext cx="3347290" cy="4946085"/>
+          </a:xfrm>
+          <a:prstGeom prst="rect">
+            <a:avLst/>
+          </a:prstGeom>
+        </p:spPr>
+      </p:pic>
+      <p:sp>
+        <p:nvSpPr>
+          <p:cNvPr id="6" name="ZoneTexte 5">
+            <a:extLst>
+              <a:ext uri="{FF2B5EF4-FFF2-40B4-BE49-F238E27FC236}">
+                <a16:creationId xmlns:a16="http://schemas.microsoft.com/office/drawing/2014/main" id="{370C73C6-2F96-D226-2E2D-F3238AA21324}"/>
+              </a:ext>
+            </a:extLst>
+          </p:cNvPr>
+          <p:cNvSpPr txBox="1"/>
+          <p:nvPr/>
+        </p:nvSpPr>
+        <p:spPr>
+          <a:xfrm>
+            <a:off x="6198670" y="1414912"/>
+            <a:ext cx="5149516" cy="3970318"/>
+          </a:xfrm>
+          <a:prstGeom prst="rect">
+            <a:avLst/>
+          </a:prstGeom>
+          <a:noFill/>
+        </p:spPr>
+        <p:txBody>
+          <a:bodyPr wrap="square" rtlCol="0">
+            <a:spAutoFit/>
+          </a:bodyPr>
+          <a:lstStyle/>
+          <a:p>
+            <a:r>
+              <a:rPr lang="fr-FR" dirty="0"/>
+              <a:t>Nous allons démarrer par créer une version statique, ce qui nous permettra d’avoir un site web avec tout le visuel, mais aucune fonctionnalités ne fonctionnera.</a:t>
+            </a:r>
+          </a:p>
+          <a:p>
+            <a:endParaRPr lang="fr-FR" dirty="0"/>
+          </a:p>
+          <a:p>
+            <a:r>
+              <a:rPr lang="fr-FR" dirty="0"/>
+              <a:t>C’est comme un maçon qui commence par créer les fondations.</a:t>
+            </a:r>
+          </a:p>
+          <a:p>
+            <a:endParaRPr lang="fr-FR" dirty="0"/>
+          </a:p>
+          <a:p>
+            <a:r>
+              <a:rPr lang="fr-FR" dirty="0"/>
+              <a:t>Cette première étape est prise en charge par notre Dev Frontend, pendant ce temps notre Dev Backend prépare tout les outils nécessaire pour notre applications et configure tout le nécessaire pour se connecter au site.</a:t>
+            </a:r>
+          </a:p>
+        </p:txBody>
+      </p:sp>
+      <p:sp>
+        <p:nvSpPr>
+          <p:cNvPr id="7" name="ZoneTexte 6">
+            <a:extLst>
+              <a:ext uri="{FF2B5EF4-FFF2-40B4-BE49-F238E27FC236}">
+                <a16:creationId xmlns:a16="http://schemas.microsoft.com/office/drawing/2014/main" id="{398B70D2-37D9-F6CA-401C-386D1E1ACA82}"/>
+              </a:ext>
+            </a:extLst>
+          </p:cNvPr>
+          <p:cNvSpPr txBox="1"/>
+          <p:nvPr/>
+        </p:nvSpPr>
+        <p:spPr>
+          <a:xfrm>
+            <a:off x="4750998" y="221728"/>
+            <a:ext cx="3659976" cy="461665"/>
+          </a:xfrm>
+          <a:prstGeom prst="rect">
+            <a:avLst/>
+          </a:prstGeom>
+          <a:noFill/>
+        </p:spPr>
+        <p:txBody>
+          <a:bodyPr wrap="none" rtlCol="0">
+            <a:spAutoFit/>
+          </a:bodyPr>
+          <a:lstStyle/>
+          <a:p>
+            <a:r>
+              <a:rPr lang="fr-FR" sz="2400" dirty="0"/>
+              <a:t>Présentation technique</a:t>
+            </a:r>
+          </a:p>
+        </p:txBody>
+      </p:sp>
+    </p:spTree>
+    <p:extLst>
+      <p:ext uri="{BB962C8B-B14F-4D97-AF65-F5344CB8AC3E}">
+        <p14:creationId xmlns:p14="http://schemas.microsoft.com/office/powerpoint/2010/main" val="3965556838"/>
+      </p:ext>
+    </p:extLst>
+  </p:cSld>
+  <p:clrMapOvr>
+    <a:masterClrMapping/>
+  </p:clrMapOvr>
+</p:sld>
+</file>
+
+<file path=ppt/slides/slide8.xml><?xml version="1.0" encoding="utf-8"?>
 <p:sld xmlns:a="http://schemas.openxmlformats.org/drawingml/2006/main" xmlns:r="http://schemas.openxmlformats.org/officeDocument/2006/relationships" xmlns:p="http://schemas.openxmlformats.org/presentationml/2006/main">
   <p:cSld>
     <p:bg>
@@ -8547,8 +8997,8 @@
         </p:nvSpPr>
         <p:spPr>
           <a:xfrm>
-            <a:off x="6198670" y="1414912"/>
-            <a:ext cx="5149516" cy="2862322"/>
+            <a:off x="5982770" y="1859339"/>
+            <a:ext cx="5149516" cy="3139321"/>
           </a:xfrm>
           <a:prstGeom prst="rect">
             <a:avLst/>
@@ -8563,7 +9013,7 @@
           <a:p>
             <a:r>
               <a:rPr lang="fr-FR" dirty="0"/>
-              <a:t>Pour la connexion au site, notre Dev Frontend utilisera React-modal, c’est un Framework qui permet un gain de temps et une facilités de code. Les données récupérer depuis les encarts seront ensuite transmis a notre Backend.</a:t>
+              <a:t>Il faut savoir que le l’application de création de menu sera accessible uniquement pour les utilisateur Qwenta, grâce a cela, le client pourra faire une demande d’impression a la sociétés et cette application sera accessible uniquement par les client. </a:t>
             </a:r>
           </a:p>
           <a:p>
@@ -8572,7 +9022,7 @@
           <a:p>
             <a:r>
               <a:rPr lang="fr-FR" dirty="0"/>
-              <a:t>Notre Dev Backend va lui faire en sorte que le serveur les vérifie, se connecte au site et récupère ses données utilisateurs </a:t>
+              <a:t>Cela nous permet aussi de sauvegarder les données utilisateur ( le client va pouvoir créer des menus, les sauvegarder et faire des demandes d’impression )</a:t>
             </a:r>
           </a:p>
         </p:txBody>
@@ -8590,7 +9040,7 @@
 </p:sld>
 </file>
 
-<file path=ppt/slides/slide8.xml><?xml version="1.0" encoding="utf-8"?>
+<file path=ppt/slides/slide9.xml><?xml version="1.0" encoding="utf-8"?>
 <p:sld xmlns:a="http://schemas.openxmlformats.org/drawingml/2006/main" xmlns:r="http://schemas.openxmlformats.org/officeDocument/2006/relationships" xmlns:p="http://schemas.openxmlformats.org/presentationml/2006/main">
   <p:cSld>
     <p:bg>
@@ -8762,8 +9212,8 @@
         </p:nvSpPr>
         <p:spPr>
           <a:xfrm>
-            <a:off x="6198670" y="1414912"/>
-            <a:ext cx="5149516" cy="2862322"/>
+            <a:off x="6096000" y="2397112"/>
+            <a:ext cx="5149516" cy="1200329"/>
           </a:xfrm>
           <a:prstGeom prst="rect">
             <a:avLst/>
@@ -8778,25 +9228,7 @@
           <a:p>
             <a:r>
               <a:rPr lang="fr-FR" dirty="0"/>
-              <a:t>Cette étape est très dense et sera partagé entre les Dev.</a:t>
-            </a:r>
-          </a:p>
-          <a:p>
-            <a:endParaRPr lang="fr-FR" dirty="0"/>
-          </a:p>
-          <a:p>
-            <a:r>
-              <a:rPr lang="fr-FR" dirty="0"/>
-              <a:t>Le Dev Frontend devra préétablir toute les modales et avoir le rendus directement depuis la même page sans chargement.</a:t>
-            </a:r>
-          </a:p>
-          <a:p>
-            <a:endParaRPr lang="fr-FR" dirty="0"/>
-          </a:p>
-          <a:p>
-            <a:r>
-              <a:rPr lang="fr-FR" dirty="0"/>
-              <a:t>Le Dev Backend devra être capable d’enregistrer chaque menu dans la base de données</a:t>
+              <a:t>Nous allons aussi créer l’application dans sa globalités, à la fin de ce sprint l’application sera fonctionnel et l’on pourra avoir une esquisse de ce donnera notre applications </a:t>
             </a:r>
           </a:p>
         </p:txBody>
@@ -8805,245 +9237,6 @@
     <p:extLst>
       <p:ext uri="{BB962C8B-B14F-4D97-AF65-F5344CB8AC3E}">
         <p14:creationId xmlns:p14="http://schemas.microsoft.com/office/powerpoint/2010/main" val="4101846705"/>
-      </p:ext>
-    </p:extLst>
-  </p:cSld>
-  <p:clrMapOvr>
-    <a:masterClrMapping/>
-  </p:clrMapOvr>
-</p:sld>
-</file>
-
-<file path=ppt/slides/slide9.xml><?xml version="1.0" encoding="utf-8"?>
-<p:sld xmlns:a="http://schemas.openxmlformats.org/drawingml/2006/main" xmlns:r="http://schemas.openxmlformats.org/officeDocument/2006/relationships" xmlns:p="http://schemas.openxmlformats.org/presentationml/2006/main">
-  <p:cSld>
-    <p:bg>
-      <p:bgPr>
-        <a:gradFill flip="none" rotWithShape="1">
-          <a:gsLst>
-            <a:gs pos="0">
-              <a:srgbClr val="F9DDCB"/>
-            </a:gs>
-            <a:gs pos="0">
-              <a:srgbClr val="F9DDCB"/>
-            </a:gs>
-            <a:gs pos="100000">
-              <a:schemeClr val="bg2">
-                <a:shade val="96000"/>
-                <a:hueMod val="88000"/>
-                <a:satMod val="220000"/>
-                <a:lumMod val="82000"/>
-              </a:schemeClr>
-            </a:gs>
-          </a:gsLst>
-          <a:path path="circle">
-            <a:fillToRect t="100000" r="100000"/>
-          </a:path>
-          <a:tileRect l="-100000" b="-100000"/>
-        </a:gradFill>
-        <a:effectLst/>
-      </p:bgPr>
-    </p:bg>
-    <p:spTree>
-      <p:nvGrpSpPr>
-        <p:cNvPr id="1" name=""/>
-        <p:cNvGrpSpPr/>
-        <p:nvPr/>
-      </p:nvGrpSpPr>
-      <p:grpSpPr>
-        <a:xfrm>
-          <a:off x="0" y="0"/>
-          <a:ext cx="0" cy="0"/>
-          <a:chOff x="0" y="0"/>
-          <a:chExt cx="0" cy="0"/>
-        </a:xfrm>
-      </p:grpSpPr>
-      <p:sp>
-        <p:nvSpPr>
-          <p:cNvPr id="2" name="ZoneTexte 1">
-            <a:extLst>
-              <a:ext uri="{FF2B5EF4-FFF2-40B4-BE49-F238E27FC236}">
-                <a16:creationId xmlns:a16="http://schemas.microsoft.com/office/drawing/2014/main" id="{B822A59B-2D1D-92FB-0A09-3ED42F9D4C9C}"/>
-              </a:ext>
-            </a:extLst>
-          </p:cNvPr>
-          <p:cNvSpPr txBox="1"/>
-          <p:nvPr/>
-        </p:nvSpPr>
-        <p:spPr>
-          <a:xfrm>
-            <a:off x="4750998" y="221728"/>
-            <a:ext cx="3291286" cy="461665"/>
-          </a:xfrm>
-          <a:prstGeom prst="rect">
-            <a:avLst/>
-          </a:prstGeom>
-          <a:noFill/>
-        </p:spPr>
-        <p:txBody>
-          <a:bodyPr wrap="none" rtlCol="0">
-            <a:spAutoFit/>
-          </a:bodyPr>
-          <a:lstStyle/>
-          <a:p>
-            <a:r>
-              <a:rPr lang="fr-FR" sz="2400" dirty="0"/>
-              <a:t>Réunion du 1</a:t>
-            </a:r>
-            <a:r>
-              <a:rPr lang="fr-FR" sz="2400" baseline="30000" dirty="0"/>
-              <a:t>er</a:t>
-            </a:r>
-            <a:r>
-              <a:rPr lang="fr-FR" sz="2400" dirty="0"/>
-              <a:t> sprint</a:t>
-            </a:r>
-          </a:p>
-        </p:txBody>
-      </p:sp>
-      <p:sp>
-        <p:nvSpPr>
-          <p:cNvPr id="4" name="ZoneTexte 3">
-            <a:extLst>
-              <a:ext uri="{FF2B5EF4-FFF2-40B4-BE49-F238E27FC236}">
-                <a16:creationId xmlns:a16="http://schemas.microsoft.com/office/drawing/2014/main" id="{61E6BD53-A9C5-8F32-A47F-3E72E59440CE}"/>
-              </a:ext>
-            </a:extLst>
-          </p:cNvPr>
-          <p:cNvSpPr txBox="1"/>
-          <p:nvPr/>
-        </p:nvSpPr>
-        <p:spPr>
-          <a:xfrm>
-            <a:off x="636626" y="859190"/>
-            <a:ext cx="7915950" cy="369332"/>
-          </a:xfrm>
-          <a:prstGeom prst="rect">
-            <a:avLst/>
-          </a:prstGeom>
-          <a:noFill/>
-        </p:spPr>
-        <p:txBody>
-          <a:bodyPr wrap="none" rtlCol="0">
-            <a:spAutoFit/>
-          </a:bodyPr>
-          <a:lstStyle/>
-          <a:p>
-            <a:r>
-              <a:rPr lang="fr-FR" dirty="0"/>
-              <a:t>Première réunion avec le client, les développeurs et le chef de projet</a:t>
-            </a:r>
-          </a:p>
-        </p:txBody>
-      </p:sp>
-      <p:sp>
-        <p:nvSpPr>
-          <p:cNvPr id="6" name="ZoneTexte 5">
-            <a:extLst>
-              <a:ext uri="{FF2B5EF4-FFF2-40B4-BE49-F238E27FC236}">
-                <a16:creationId xmlns:a16="http://schemas.microsoft.com/office/drawing/2014/main" id="{FC81E64E-98E0-270D-096F-763B7996C597}"/>
-              </a:ext>
-            </a:extLst>
-          </p:cNvPr>
-          <p:cNvSpPr txBox="1"/>
-          <p:nvPr/>
-        </p:nvSpPr>
-        <p:spPr>
-          <a:xfrm>
-            <a:off x="2492944" y="1703670"/>
-            <a:ext cx="5149516" cy="4247317"/>
-          </a:xfrm>
-          <a:prstGeom prst="rect">
-            <a:avLst/>
-          </a:prstGeom>
-          <a:noFill/>
-        </p:spPr>
-        <p:txBody>
-          <a:bodyPr wrap="square" rtlCol="0">
-            <a:spAutoFit/>
-          </a:bodyPr>
-          <a:lstStyle/>
-          <a:p>
-            <a:r>
-              <a:rPr lang="fr-FR" dirty="0"/>
-              <a:t>A chaque fin de sprint mon équipe et moi-même auront une réunion avec vous, pour vous présenter l’avancé du projet, le site doit :  </a:t>
-            </a:r>
-          </a:p>
-          <a:p>
-            <a:endParaRPr lang="fr-FR" dirty="0"/>
-          </a:p>
-          <a:p>
-            <a:pPr marL="285750" indent="-285750">
-              <a:buFont typeface="Arial" panose="020B0604020202020204" pitchFamily="34" charset="0"/>
-              <a:buChar char="•"/>
-            </a:pPr>
-            <a:r>
-              <a:rPr lang="fr-FR" dirty="0"/>
-              <a:t>Avoir une page d’accueil </a:t>
-            </a:r>
-          </a:p>
-          <a:p>
-            <a:pPr marL="285750" indent="-285750">
-              <a:buFont typeface="Arial" panose="020B0604020202020204" pitchFamily="34" charset="0"/>
-              <a:buChar char="•"/>
-            </a:pPr>
-            <a:r>
-              <a:rPr lang="fr-FR" dirty="0"/>
-              <a:t>Avoir une modale login fonctionnel</a:t>
-            </a:r>
-          </a:p>
-          <a:p>
-            <a:pPr marL="285750" indent="-285750">
-              <a:buFont typeface="Arial" panose="020B0604020202020204" pitchFamily="34" charset="0"/>
-              <a:buChar char="•"/>
-            </a:pPr>
-            <a:r>
-              <a:rPr lang="fr-FR" dirty="0"/>
-              <a:t>Pouvoir créer un menu</a:t>
-            </a:r>
-          </a:p>
-          <a:p>
-            <a:pPr marL="285750" indent="-285750">
-              <a:buFont typeface="Arial" panose="020B0604020202020204" pitchFamily="34" charset="0"/>
-              <a:buChar char="•"/>
-            </a:pPr>
-            <a:r>
-              <a:rPr lang="fr-FR" dirty="0"/>
-              <a:t>Avoir le visuel de la création en instantané</a:t>
-            </a:r>
-          </a:p>
-          <a:p>
-            <a:pPr marL="285750" indent="-285750">
-              <a:buFont typeface="Arial" panose="020B0604020202020204" pitchFamily="34" charset="0"/>
-              <a:buChar char="•"/>
-            </a:pPr>
-            <a:r>
-              <a:rPr lang="fr-FR" dirty="0"/>
-              <a:t>Pouvoir enregistrer son menu sur son compte</a:t>
-            </a:r>
-          </a:p>
-          <a:p>
-            <a:pPr marL="285750" indent="-285750">
-              <a:buFont typeface="Arial" panose="020B0604020202020204" pitchFamily="34" charset="0"/>
-              <a:buChar char="•"/>
-            </a:pPr>
-            <a:r>
-              <a:rPr lang="fr-FR" dirty="0"/>
-              <a:t>Pouvoir exporter son menu en format PDF</a:t>
-            </a:r>
-          </a:p>
-          <a:p>
-            <a:endParaRPr lang="fr-FR" dirty="0"/>
-          </a:p>
-          <a:p>
-            <a:endParaRPr lang="fr-FR" dirty="0"/>
-          </a:p>
-        </p:txBody>
-      </p:sp>
-    </p:spTree>
-    <p:extLst>
-      <p:ext uri="{BB962C8B-B14F-4D97-AF65-F5344CB8AC3E}">
-        <p14:creationId xmlns:p14="http://schemas.microsoft.com/office/powerpoint/2010/main" val="3063104339"/>
       </p:ext>
     </p:extLst>
   </p:cSld>
